--- a/Showcase/AlienPROBEShowcasePoster.pptx
+++ b/Showcase/AlienPROBEShowcasePoster.pptx
@@ -1562,7 +1562,7 @@
               </a:spcAft>
               <a:buNone/>
             </a:pPr>
-            <a:endParaRPr>
+            <a:endParaRPr dirty="0">
               <a:latin typeface="Calibri"/>
               <a:ea typeface="Calibri"/>
               <a:cs typeface="Calibri"/>
@@ -12887,56 +12887,6 @@
       </p:pic>
       <p:sp>
         <p:nvSpPr>
-          <p:cNvPr id="95" name="Google Shape;95;p1"/>
-          <p:cNvSpPr txBox="1"/>
-          <p:nvPr/>
-        </p:nvSpPr>
-        <p:spPr>
-          <a:xfrm rot="-5400000">
-            <a:off x="36506323" y="11884968"/>
-            <a:ext cx="6335486" cy="461665"/>
-          </a:xfrm>
-          <a:prstGeom prst="rect">
-            <a:avLst/>
-          </a:prstGeom>
-          <a:noFill/>
-          <a:ln>
-            <a:noFill/>
-          </a:ln>
-        </p:spPr>
-        <p:txBody>
-          <a:bodyPr spcFirstLastPara="1" wrap="square" lIns="91425" tIns="45700" rIns="91425" bIns="45700" anchor="t" anchorCtr="0">
-            <a:spAutoFit/>
-          </a:bodyPr>
-          <a:lstStyle/>
-          <a:p>
-            <a:pPr marL="0" marR="0" lvl="0" indent="0" algn="l" rtl="0">
-              <a:spcBef>
-                <a:spcPts val="0"/>
-              </a:spcBef>
-              <a:spcAft>
-                <a:spcPts val="0"/>
-              </a:spcAft>
-              <a:buNone/>
-            </a:pPr>
-            <a:r>
-              <a:rPr lang="en-US" sz="2400" b="0" i="0" u="none" strike="noStrike" cap="none">
-                <a:solidFill>
-                  <a:schemeClr val="dk1"/>
-                </a:solidFill>
-                <a:latin typeface="Arial"/>
-                <a:ea typeface="Arial"/>
-                <a:cs typeface="Arial"/>
-                <a:sym typeface="Arial"/>
-              </a:rPr>
-              <a:t>             </a:t>
-            </a:r>
-            <a:endParaRPr/>
-          </a:p>
-        </p:txBody>
-      </p:sp>
-      <p:sp>
-        <p:nvSpPr>
           <p:cNvPr id="96" name="Google Shape;96;p1"/>
           <p:cNvSpPr txBox="1">
             <a:spLocks noGrp="1"/>
@@ -13024,13 +12974,15 @@
       <p:sp>
         <p:nvSpPr>
           <p:cNvPr id="97" name="Google Shape;97;p1"/>
-          <p:cNvSpPr txBox="1"/>
+          <p:cNvSpPr txBox="1">
+            <a:spLocks/>
+          </p:cNvSpPr>
           <p:nvPr/>
         </p:nvSpPr>
         <p:spPr>
           <a:xfrm>
-            <a:off x="668816" y="3115449"/>
-            <a:ext cx="10162141" cy="8556148"/>
+            <a:off x="668815" y="3115449"/>
+            <a:ext cx="10241280" cy="14496236"/>
           </a:xfrm>
           <a:prstGeom prst="rect">
             <a:avLst/>
@@ -13099,7 +13051,7 @@
               <a:buChar char="•"/>
             </a:pPr>
             <a:r>
-              <a:rPr lang="en-US" sz="2400" dirty="0">
+              <a:rPr lang="en-US" sz="2800" dirty="0">
                 <a:solidFill>
                   <a:schemeClr val="dk1"/>
                 </a:solidFill>
@@ -13108,26 +13060,25 @@
                 <a:cs typeface="Arial"/>
                 <a:sym typeface="Arial"/>
               </a:rPr>
-              <a:t>This project is a team effort done in conjunction with the WKU PTS services for our teams CS 496 senior project course.</a:t>
+              <a:t>This project is a team effort done in conjunction with the WKU Parking and Transportation Services for our team’s CS 496 Senior Project course.</a:t>
             </a:r>
-            <a:endParaRPr dirty="0"/>
           </a:p>
           <a:p>
-            <a:pPr marL="342900" marR="0" lvl="0" indent="-184150" algn="just" rtl="0">
-              <a:spcBef>
-                <a:spcPts val="0"/>
-              </a:spcBef>
-              <a:spcAft>
-                <a:spcPts val="0"/>
-              </a:spcAft>
-              <a:buClr>
-                <a:schemeClr val="dk1"/>
-              </a:buClr>
-              <a:buSzPts val="2500"/>
+            <a:pPr marL="342900" marR="0" lvl="0" indent="-342900" algn="just" rtl="0">
+              <a:spcBef>
+                <a:spcPts val="0"/>
+              </a:spcBef>
+              <a:spcAft>
+                <a:spcPts val="0"/>
+              </a:spcAft>
+              <a:buClr>
+                <a:schemeClr val="dk1"/>
+              </a:buClr>
+              <a:buSzPts val="2400"/>
               <a:buFont typeface="Arial"/>
-              <a:buNone/>
+              <a:buChar char="•"/>
             </a:pPr>
-            <a:endParaRPr sz="2500" dirty="0">
+            <a:endParaRPr sz="2800" dirty="0">
               <a:solidFill>
                 <a:schemeClr val="dk1"/>
               </a:solidFill>
@@ -13153,7 +13104,7 @@
               <a:buChar char="•"/>
             </a:pPr>
             <a:r>
-              <a:rPr lang="en-US" sz="2500" dirty="0">
+              <a:rPr lang="en-US" sz="2800" dirty="0">
                 <a:solidFill>
                   <a:schemeClr val="dk1"/>
                 </a:solidFill>
@@ -13162,45 +13113,57 @@
                 <a:cs typeface="Arial"/>
                 <a:sym typeface="Arial"/>
               </a:rPr>
-              <a:t>This app, Alien P.R.O.B.E., was created in order to offer PTS employees a simple app for use in their daily tasks. This app connects to the Alien ALR F800 RFID reader along with the picture antenna.</a:t>
+              <a:t>This app, Alien P.R.O.B.E., was created in order to offer PTS employees a simple app for use in their daily tasks. This app connects to the Alien ALR</a:t>
             </a:r>
-          </a:p>
-          <a:p>
-            <a:pPr marL="342900" marR="0" lvl="0" indent="-342900" algn="just" rtl="0">
-              <a:spcBef>
-                <a:spcPts val="0"/>
-              </a:spcBef>
-              <a:spcAft>
-                <a:spcPts val="0"/>
-              </a:spcAft>
-              <a:buClr>
-                <a:schemeClr val="dk1"/>
-              </a:buClr>
-              <a:buSzPts val="2500"/>
-              <a:buFont typeface="Arial"/>
-              <a:buChar char="•"/>
-            </a:pPr>
             <a:r>
-              <a:rPr lang="en-US" sz="2500" dirty="0">
+              <a:rPr lang="en-US" sz="2800" dirty="0">
                 <a:solidFill>
                   <a:schemeClr val="dk1"/>
                 </a:solidFill>
               </a:rPr>
-              <a:t>The PTS employees aim to use this app to scan a vehicles’ RFID parking tag, and then determine if that tag is on the correct vehicle and in the correct parking lot based on GPS location. This is all done within the app and or the connected databases’ and RFID equipment. </a:t>
+              <a:t>-</a:t>
             </a:r>
-            <a:endParaRPr dirty="0"/>
-          </a:p>
-          <a:p>
-            <a:pPr marL="0" marR="0" lvl="0" indent="0" algn="just" rtl="0">
-              <a:spcBef>
-                <a:spcPts val="0"/>
-              </a:spcBef>
-              <a:spcAft>
-                <a:spcPts val="0"/>
-              </a:spcAft>
-              <a:buNone/>
-            </a:pPr>
-            <a:endParaRPr sz="2400" dirty="0">
+            <a:r>
+              <a:rPr lang="en-US" sz="2800" dirty="0">
+                <a:solidFill>
+                  <a:schemeClr val="dk1"/>
+                </a:solidFill>
+                <a:latin typeface="Arial"/>
+                <a:ea typeface="Arial"/>
+                <a:cs typeface="Arial"/>
+                <a:sym typeface="Arial"/>
+              </a:rPr>
+              <a:t>F800 RFID Reader along with the Alien ALR-8689 </a:t>
+            </a:r>
+            <a:r>
+              <a:rPr lang="en-US" sz="2800" dirty="0">
+                <a:solidFill>
+                  <a:schemeClr val="dk1"/>
+                </a:solidFill>
+              </a:rPr>
+              <a:t>RFID </a:t>
+            </a:r>
+            <a:r>
+              <a:rPr lang="en-US" sz="2800" dirty="0">
+                <a:solidFill>
+                  <a:schemeClr val="dk1"/>
+                </a:solidFill>
+                <a:latin typeface="Arial"/>
+                <a:ea typeface="Arial"/>
+                <a:cs typeface="Arial"/>
+                <a:sym typeface="Arial"/>
+              </a:rPr>
+              <a:t>Antenna</a:t>
+            </a:r>
+            <a:r>
+              <a:rPr lang="en-US" sz="2800" dirty="0">
+                <a:solidFill>
+                  <a:schemeClr val="dk1"/>
+                </a:solidFill>
+              </a:rPr>
+              <a:t>, both pictured to the right.</a:t>
+            </a:r>
+            <a:endParaRPr lang="en-US" sz="2800" dirty="0">
               <a:solidFill>
                 <a:schemeClr val="dk1"/>
               </a:solidFill>
@@ -13211,28 +13174,25 @@
             </a:endParaRPr>
           </a:p>
           <a:p>
-            <a:pPr marL="0" marR="0" lvl="0" indent="0" algn="l" rtl="0">
-              <a:spcBef>
-                <a:spcPts val="0"/>
-              </a:spcBef>
-              <a:spcAft>
-                <a:spcPts val="0"/>
-              </a:spcAft>
-              <a:buNone/>
+            <a:pPr marL="342900" marR="0" lvl="0" indent="-342900" algn="just" rtl="0">
+              <a:spcBef>
+                <a:spcPts val="0"/>
+              </a:spcBef>
+              <a:spcAft>
+                <a:spcPts val="0"/>
+              </a:spcAft>
+              <a:buClr>
+                <a:schemeClr val="dk1"/>
+              </a:buClr>
+              <a:buSzPts val="2500"/>
+              <a:buFont typeface="Arial"/>
+              <a:buChar char="•"/>
             </a:pPr>
-            <a:r>
-              <a:rPr lang="en-US" sz="3600" dirty="0">
-                <a:solidFill>
-                  <a:srgbClr val="0070C0"/>
-                </a:solidFill>
-                <a:latin typeface="Arial"/>
-                <a:ea typeface="Arial"/>
-                <a:cs typeface="Arial"/>
-                <a:sym typeface="Arial"/>
-              </a:rPr>
-              <a:t>Blah Blah Blah</a:t>
-            </a:r>
-            <a:endParaRPr dirty="0"/>
+            <a:endParaRPr lang="en-US" sz="2800" dirty="0">
+              <a:solidFill>
+                <a:schemeClr val="dk1"/>
+              </a:solidFill>
+            </a:endParaRPr>
           </a:p>
           <a:p>
             <a:pPr marL="342900" marR="0" lvl="0" indent="-342900" algn="just" rtl="0">
@@ -13250,21 +13210,17 @@
               <a:buChar char="•"/>
             </a:pPr>
             <a:r>
-              <a:rPr lang="en-US" sz="2500" dirty="0" err="1">
+              <a:rPr lang="en-US" sz="2800" dirty="0">
                 <a:solidFill>
                   <a:schemeClr val="dk1"/>
                 </a:solidFill>
-                <a:latin typeface="Arial"/>
-                <a:ea typeface="Arial"/>
-                <a:cs typeface="Arial"/>
-                <a:sym typeface="Arial"/>
               </a:rPr>
-              <a:t>Helo</a:t>
+              <a:t>WKU Parking and Transportation Services plan to use this app to scan a vehicles’ RFID parking tag, and then determine if that tag is on the correct vehicle and in the correct parking lot based on the GPS location. This is all done within the app, through its connection with databases and the RFID equipment. </a:t>
             </a:r>
-            <a:endParaRPr dirty="0"/>
+            <a:endParaRPr sz="2800" dirty="0"/>
           </a:p>
           <a:p>
-            <a:pPr marL="0" marR="0" lvl="0" indent="0" algn="l" rtl="0">
+            <a:pPr marL="0" marR="0" lvl="0" indent="0" algn="just" rtl="0">
               <a:spcBef>
                 <a:spcPts val="0"/>
               </a:spcBef>
@@ -13273,7 +13229,7 @@
               </a:spcAft>
               <a:buNone/>
             </a:pPr>
-            <a:endParaRPr sz="2500" dirty="0">
+            <a:endParaRPr sz="2400" dirty="0">
               <a:solidFill>
                 <a:schemeClr val="dk1"/>
               </a:solidFill>
@@ -13284,7 +13240,19 @@
             </a:endParaRPr>
           </a:p>
           <a:p>
-            <a:pPr marL="342900" marR="0" lvl="0" indent="-342900" algn="l" rtl="0">
+            <a:pPr lvl="1"/>
+            <a:r>
+              <a:rPr lang="en-US" sz="3600" dirty="0">
+                <a:solidFill>
+                  <a:srgbClr val="0070C0"/>
+                </a:solidFill>
+              </a:rPr>
+              <a:t>Requirements</a:t>
+            </a:r>
+            <a:endParaRPr dirty="0"/>
+          </a:p>
+          <a:p>
+            <a:pPr marL="342900" marR="0" lvl="0" indent="-342900" algn="just" rtl="0">
               <a:spcBef>
                 <a:spcPts val="0"/>
               </a:spcBef>
@@ -13299,7 +13267,7 @@
               <a:buChar char="•"/>
             </a:pPr>
             <a:r>
-              <a:rPr lang="en-US" sz="2500" dirty="0" err="1">
+              <a:rPr lang="en-US" sz="2800" dirty="0">
                 <a:solidFill>
                   <a:schemeClr val="dk1"/>
                 </a:solidFill>
@@ -13308,67 +13276,38 @@
                 <a:cs typeface="Arial"/>
                 <a:sym typeface="Arial"/>
               </a:rPr>
-              <a:t>asdfadf</a:t>
+              <a:t>The Alien P.R.O.B.E. </a:t>
             </a:r>
-            <a:endParaRPr dirty="0"/>
+            <a:r>
+              <a:rPr lang="en-US" sz="2800" dirty="0">
+                <a:solidFill>
+                  <a:schemeClr val="dk1"/>
+                </a:solidFill>
+              </a:rPr>
+              <a:t>app is developed for Android devices with Android OS 11.0 and later, as this meets the requirements of the phones provided to the parking enforcement employees at WKU Parking and Transportation Services.</a:t>
+            </a:r>
           </a:p>
           <a:p>
-            <a:pPr marL="342900" marR="0" lvl="0" indent="-190500" algn="l" rtl="0">
-              <a:spcBef>
-                <a:spcPts val="0"/>
-              </a:spcBef>
-              <a:spcAft>
-                <a:spcPts val="0"/>
-              </a:spcAft>
-              <a:buClr>
-                <a:schemeClr val="dk1"/>
-              </a:buClr>
-              <a:buSzPts val="2400"/>
-              <a:buFont typeface="Arial"/>
-              <a:buNone/>
+            <a:pPr marR="0" lvl="0" algn="just" rtl="0">
+              <a:spcBef>
+                <a:spcPts val="0"/>
+              </a:spcBef>
+              <a:spcAft>
+                <a:spcPts val="0"/>
+              </a:spcAft>
+              <a:buClr>
+                <a:schemeClr val="dk1"/>
+              </a:buClr>
+              <a:buSzPts val="2500"/>
             </a:pPr>
-            <a:endParaRPr sz="2400" dirty="0">
+            <a:endParaRPr lang="en-US" sz="2800" dirty="0">
               <a:solidFill>
                 <a:schemeClr val="dk1"/>
               </a:solidFill>
-              <a:latin typeface="Arial"/>
-              <a:ea typeface="Arial"/>
-              <a:cs typeface="Arial"/>
-              <a:sym typeface="Arial"/>
             </a:endParaRPr>
           </a:p>
           <a:p>
-            <a:pPr marL="0" marR="0" lvl="0" indent="0" algn="l" rtl="0">
-              <a:spcBef>
-                <a:spcPts val="0"/>
-              </a:spcBef>
-              <a:spcAft>
-                <a:spcPts val="0"/>
-              </a:spcAft>
-              <a:buNone/>
-            </a:pPr>
-            <a:r>
-              <a:rPr lang="en-US" sz="3200" dirty="0">
-                <a:solidFill>
-                  <a:schemeClr val="accent1"/>
-                </a:solidFill>
-                <a:latin typeface="Arial"/>
-                <a:ea typeface="Arial"/>
-                <a:cs typeface="Arial"/>
-                <a:sym typeface="Arial"/>
-              </a:rPr>
-              <a:t>Extra Content</a:t>
-            </a:r>
-            <a:endParaRPr dirty="0"/>
-          </a:p>
-          <a:p>
-            <a:pPr marL="342900" marR="0" lvl="0" indent="-342900" algn="l" rtl="0">
-              <a:spcBef>
-                <a:spcPts val="0"/>
-              </a:spcBef>
-              <a:spcAft>
-                <a:spcPts val="0"/>
-              </a:spcAft>
+            <a:pPr marL="342900" lvl="1" indent="-342900" algn="just">
               <a:buClr>
                 <a:schemeClr val="dk1"/>
               </a:buClr>
@@ -13377,26 +13316,46 @@
               <a:buChar char="•"/>
             </a:pPr>
             <a:r>
-              <a:rPr lang="en-US" sz="2500" dirty="0" err="1">
+              <a:rPr lang="en-US" sz="2800" dirty="0">
                 <a:solidFill>
                   <a:schemeClr val="dk1"/>
                 </a:solidFill>
-                <a:latin typeface="Arial"/>
-                <a:ea typeface="Arial"/>
-                <a:cs typeface="Arial"/>
-                <a:sym typeface="Arial"/>
               </a:rPr>
-              <a:t>hhhasdf</a:t>
+              <a:t>The app requires a connection to the RFID Reader through either the network or through Bluetooth. This allows the app to retrieve the tags the RFID Reader picks up and decodes.</a:t>
             </a:r>
-            <a:endParaRPr sz="2400" dirty="0">
+          </a:p>
+          <a:p>
+            <a:pPr marL="342900" lvl="1" indent="-342900" algn="just">
+              <a:buClr>
+                <a:schemeClr val="dk1"/>
+              </a:buClr>
+              <a:buSzPts val="2500"/>
+              <a:buFont typeface="Arial"/>
+              <a:buChar char="•"/>
+            </a:pPr>
+            <a:endParaRPr lang="en-US" sz="2800" dirty="0">
               <a:solidFill>
                 <a:schemeClr val="dk1"/>
               </a:solidFill>
-              <a:latin typeface="Arial"/>
-              <a:ea typeface="Arial"/>
-              <a:cs typeface="Arial"/>
-              <a:sym typeface="Arial"/>
             </a:endParaRPr>
+          </a:p>
+          <a:p>
+            <a:pPr marL="342900" lvl="1" indent="-342900" algn="just">
+              <a:buClr>
+                <a:schemeClr val="dk1"/>
+              </a:buClr>
+              <a:buSzPts val="2500"/>
+              <a:buFont typeface="Arial"/>
+              <a:buChar char="•"/>
+            </a:pPr>
+            <a:r>
+              <a:rPr lang="en-US" sz="2800" dirty="0">
+                <a:solidFill>
+                  <a:schemeClr val="dk1"/>
+                </a:solidFill>
+              </a:rPr>
+              <a:t>The app has a small hardware usage and only takes up 26.9 MB of storage space so it should be able to be easily installed on all or most phones that PTS provides their employees.</a:t>
+            </a:r>
           </a:p>
         </p:txBody>
       </p:sp>
@@ -13450,7 +13409,7 @@
                 <a:cs typeface="Arial"/>
                 <a:sym typeface="Arial"/>
               </a:rPr>
-              <a:t>                            </a:t>
+              <a:t>                           				 </a:t>
             </a:r>
             <a:r>
               <a:rPr lang="en-US" sz="3200" dirty="0">
@@ -13470,7 +13429,27 @@
                 <a:cs typeface="Arial"/>
                 <a:sym typeface="Arial"/>
               </a:rPr>
-              <a:t>                                                 Android App                                                              CRRL                                                                BMTN</a:t>
+              <a:t>                                                	</a:t>
+            </a:r>
+            <a:r>
+              <a:rPr lang="en-US" sz="3200" dirty="0">
+                <a:solidFill>
+                  <a:srgbClr val="0070C0"/>
+                </a:solidFill>
+              </a:rPr>
+              <a:t>									</a:t>
+            </a:r>
+            <a:r>
+              <a:rPr lang="en-US" sz="3200" dirty="0">
+                <a:solidFill>
+                  <a:srgbClr val="0070C0"/>
+                </a:solidFill>
+                <a:latin typeface="Arial"/>
+                <a:ea typeface="Arial"/>
+                <a:cs typeface="Arial"/>
+                <a:sym typeface="Arial"/>
+              </a:rPr>
+              <a:t>Android App</a:t>
             </a:r>
             <a:endParaRPr dirty="0"/>
           </a:p>
@@ -13509,7 +13488,7 @@
         <p:spPr>
           <a:xfrm>
             <a:off x="11277600" y="19583400"/>
-            <a:ext cx="7256489" cy="1877397"/>
+            <a:ext cx="14940903" cy="7540485"/>
           </a:xfrm>
           <a:prstGeom prst="rect">
             <a:avLst/>
@@ -13541,7 +13520,7 @@
               <a:buNone/>
             </a:pPr>
             <a:r>
-              <a:rPr lang="en-US" sz="3200" dirty="0">
+              <a:rPr lang="en-US" sz="3600" dirty="0">
                 <a:solidFill>
                   <a:srgbClr val="0070C0"/>
                 </a:solidFill>
@@ -13550,9 +13529,9 @@
                 <a:cs typeface="Arial"/>
                 <a:sym typeface="Arial"/>
               </a:rPr>
-              <a:t>Details</a:t>
+              <a:t>Reader and Antenna Connection</a:t>
             </a:r>
-            <a:endParaRPr lang="en-US" dirty="0"/>
+            <a:endParaRPr lang="en-US" sz="1600" dirty="0"/>
           </a:p>
           <a:p>
             <a:pPr marL="457200" marR="0" lvl="0" indent="-457200" algn="l" rtl="0">
@@ -13570,27 +13549,101 @@
               <a:buChar char="•"/>
             </a:pPr>
             <a:r>
-              <a:rPr lang="en-US" sz="2800" dirty="0">
+              <a:rPr lang="en-US" sz="3200" dirty="0">
                 <a:solidFill>
                   <a:schemeClr val="dk1"/>
                 </a:solidFill>
               </a:rPr>
-              <a:t>Pictured above is the Alien RFID ALR-f800 reader and below if the Alien RFID Ultra-band antenna.</a:t>
+              <a:t>Pictured above is the Alien RFID ALR-F800 Reader and below it is the Alien ALR-8698 RFID Ultra-band Antenna.</a:t>
             </a:r>
-            <a:endParaRPr lang="en-US" dirty="0"/>
+          </a:p>
+          <a:p>
+            <a:pPr marL="457200" marR="0" lvl="0" indent="-457200" algn="l" rtl="0">
+              <a:spcBef>
+                <a:spcPts val="0"/>
+              </a:spcBef>
+              <a:spcAft>
+                <a:spcPts val="0"/>
+              </a:spcAft>
+              <a:buClr>
+                <a:schemeClr val="dk1"/>
+              </a:buClr>
+              <a:buSzPts val="2800"/>
+              <a:buFont typeface="Arial"/>
+              <a:buChar char="•"/>
+            </a:pPr>
+            <a:r>
+              <a:rPr lang="en-US" sz="3200" dirty="0">
+                <a:solidFill>
+                  <a:schemeClr val="dk1"/>
+                </a:solidFill>
+              </a:rPr>
+              <a:t>The RFID Antenna broadcasts radio frequency (RF) signal, the passive RFID tags stored in the parking tags receive this energy and become activated. These tags utilize the energy from the RF signals to send back their own signals, which contain the information stored in the tags' microchips.</a:t>
+            </a:r>
+          </a:p>
+          <a:p>
+            <a:pPr marL="457200" marR="0" lvl="0" indent="-457200" algn="l" rtl="0">
+              <a:spcBef>
+                <a:spcPts val="0"/>
+              </a:spcBef>
+              <a:spcAft>
+                <a:spcPts val="0"/>
+              </a:spcAft>
+              <a:buClr>
+                <a:schemeClr val="dk1"/>
+              </a:buClr>
+              <a:buSzPts val="2800"/>
+              <a:buFont typeface="Arial"/>
+              <a:buChar char="•"/>
+            </a:pPr>
+            <a:r>
+              <a:rPr lang="en-US" sz="3200" dirty="0">
+                <a:solidFill>
+                  <a:schemeClr val="dk1"/>
+                </a:solidFill>
+              </a:rPr>
+              <a:t>The RFID Reader receives these signals through the antenna. It then processes and decodes the information encoded within the signal.</a:t>
+            </a:r>
+          </a:p>
+          <a:p>
+            <a:pPr marL="457200" marR="0" lvl="0" indent="-457200" algn="l" rtl="0">
+              <a:spcBef>
+                <a:spcPts val="0"/>
+              </a:spcBef>
+              <a:spcAft>
+                <a:spcPts val="0"/>
+              </a:spcAft>
+              <a:buClr>
+                <a:schemeClr val="dk1"/>
+              </a:buClr>
+              <a:buSzPts val="2800"/>
+              <a:buFont typeface="Arial"/>
+              <a:buChar char="•"/>
+            </a:pPr>
+            <a:r>
+              <a:rPr lang="en-US" sz="3200" dirty="0">
+                <a:solidFill>
+                  <a:schemeClr val="dk1"/>
+                </a:solidFill>
+              </a:rPr>
+              <a:t>Once decoded, the information gathered from the tags can be sent to our Alien P.R.O.B.E. app via network or Bluetooth connection. The application stores this data and sends the information to a database along with the phone’s current GPS location. The database verifies if the permissions that belong to that RFID tag give authority to park in the current location. If unauthorized, the application alerts the user of the invalid parking.</a:t>
+            </a:r>
           </a:p>
         </p:txBody>
       </p:sp>
       <p:cxnSp>
         <p:nvCxnSpPr>
-          <p:cNvPr id="132" name="Google Shape;132;p1"/>
-          <p:cNvCxnSpPr/>
+          <p:cNvPr id="133" name="Google Shape;133;p1"/>
+          <p:cNvCxnSpPr>
+            <a:cxnSpLocks/>
+            <a:stCxn id="98" idx="0"/>
+          </p:cNvCxnSpPr>
           <p:nvPr/>
         </p:nvCxnSpPr>
         <p:spPr>
           <a:xfrm>
-            <a:off x="18794728" y="3227839"/>
-            <a:ext cx="207657" cy="28699961"/>
+            <a:off x="27190284" y="3083778"/>
+            <a:ext cx="18840" cy="29072622"/>
           </a:xfrm>
           <a:prstGeom prst="straightConnector1">
             <a:avLst/>
@@ -13607,1056 +13660,6 @@
           </a:ln>
         </p:spPr>
       </p:cxnSp>
-      <p:cxnSp>
-        <p:nvCxnSpPr>
-          <p:cNvPr id="133" name="Google Shape;133;p1"/>
-          <p:cNvCxnSpPr/>
-          <p:nvPr/>
-        </p:nvCxnSpPr>
-        <p:spPr>
-          <a:xfrm>
-            <a:off x="26919543" y="3200400"/>
-            <a:ext cx="207657" cy="28699961"/>
-          </a:xfrm>
-          <a:prstGeom prst="straightConnector1">
-            <a:avLst/>
-          </a:prstGeom>
-          <a:noFill/>
-          <a:ln w="15875" cap="flat" cmpd="dbl">
-            <a:solidFill>
-              <a:schemeClr val="dk1"/>
-            </a:solidFill>
-            <a:prstDash val="lgDash"/>
-            <a:round/>
-            <a:headEnd type="none" w="sm" len="sm"/>
-            <a:tailEnd type="none" w="sm" len="sm"/>
-          </a:ln>
-        </p:spPr>
-      </p:cxnSp>
-      <p:cxnSp>
-        <p:nvCxnSpPr>
-          <p:cNvPr id="134" name="Google Shape;134;p1"/>
-          <p:cNvCxnSpPr/>
-          <p:nvPr/>
-        </p:nvCxnSpPr>
-        <p:spPr>
-          <a:xfrm>
-            <a:off x="35149143" y="3124200"/>
-            <a:ext cx="207657" cy="28699961"/>
-          </a:xfrm>
-          <a:prstGeom prst="straightConnector1">
-            <a:avLst/>
-          </a:prstGeom>
-          <a:noFill/>
-          <a:ln w="15875" cap="flat" cmpd="dbl">
-            <a:solidFill>
-              <a:schemeClr val="dk1"/>
-            </a:solidFill>
-            <a:prstDash val="lgDash"/>
-            <a:round/>
-            <a:headEnd type="none" w="sm" len="sm"/>
-            <a:tailEnd type="none" w="sm" len="sm"/>
-          </a:ln>
-        </p:spPr>
-      </p:cxnSp>
-      <p:sp>
-        <p:nvSpPr>
-          <p:cNvPr id="135" name="Google Shape;135;p1"/>
-          <p:cNvSpPr txBox="1"/>
-          <p:nvPr/>
-        </p:nvSpPr>
-        <p:spPr>
-          <a:xfrm>
-            <a:off x="35720311" y="19659600"/>
-            <a:ext cx="7256489" cy="10064294"/>
-          </a:xfrm>
-          <a:prstGeom prst="rect">
-            <a:avLst/>
-          </a:prstGeom>
-          <a:noFill/>
-          <a:ln w="9525" cap="flat" cmpd="sng">
-            <a:solidFill>
-              <a:srgbClr val="395E89"/>
-            </a:solidFill>
-            <a:prstDash val="solid"/>
-            <a:round/>
-            <a:headEnd type="none" w="sm" len="sm"/>
-            <a:tailEnd type="none" w="sm" len="sm"/>
-          </a:ln>
-        </p:spPr>
-        <p:txBody>
-          <a:bodyPr spcFirstLastPara="1" wrap="square" lIns="91425" tIns="45700" rIns="91425" bIns="45700" anchor="t" anchorCtr="0">
-            <a:spAutoFit/>
-          </a:bodyPr>
-          <a:lstStyle/>
-          <a:p>
-            <a:pPr marL="0" marR="0" lvl="0" indent="0" algn="l" rtl="0">
-              <a:spcBef>
-                <a:spcPts val="0"/>
-              </a:spcBef>
-              <a:spcAft>
-                <a:spcPts val="0"/>
-              </a:spcAft>
-              <a:buNone/>
-            </a:pPr>
-            <a:r>
-              <a:rPr lang="en-US" sz="3200">
-                <a:solidFill>
-                  <a:srgbClr val="0070C0"/>
-                </a:solidFill>
-                <a:latin typeface="Arial"/>
-                <a:ea typeface="Arial"/>
-                <a:cs typeface="Arial"/>
-                <a:sym typeface="Arial"/>
-              </a:rPr>
-              <a:t>Discussion</a:t>
-            </a:r>
-            <a:endParaRPr/>
-          </a:p>
-          <a:p>
-            <a:pPr marL="457200" marR="0" lvl="0" indent="-457200" algn="l" rtl="0">
-              <a:spcBef>
-                <a:spcPts val="0"/>
-              </a:spcBef>
-              <a:spcAft>
-                <a:spcPts val="0"/>
-              </a:spcAft>
-              <a:buClr>
-                <a:schemeClr val="dk1"/>
-              </a:buClr>
-              <a:buSzPts val="2800"/>
-              <a:buFont typeface="Arial"/>
-              <a:buChar char="•"/>
-            </a:pPr>
-            <a:r>
-              <a:rPr lang="en-US" sz="2800">
-                <a:solidFill>
-                  <a:schemeClr val="dk1"/>
-                </a:solidFill>
-                <a:latin typeface="Arial"/>
-                <a:ea typeface="Arial"/>
-                <a:cs typeface="Arial"/>
-                <a:sym typeface="Arial"/>
-              </a:rPr>
-              <a:t>BMTN is located immediately adjacent to the highest elevation location of the state in SE KY.</a:t>
-            </a:r>
-            <a:endParaRPr/>
-          </a:p>
-          <a:p>
-            <a:pPr marL="457200" marR="0" lvl="0" indent="-457200" algn="l" rtl="0">
-              <a:spcBef>
-                <a:spcPts val="0"/>
-              </a:spcBef>
-              <a:spcAft>
-                <a:spcPts val="0"/>
-              </a:spcAft>
-              <a:buClr>
-                <a:schemeClr val="dk1"/>
-              </a:buClr>
-              <a:buSzPts val="2800"/>
-              <a:buFont typeface="Arial"/>
-              <a:buChar char="•"/>
-            </a:pPr>
-            <a:r>
-              <a:rPr lang="en-US" sz="2800">
-                <a:solidFill>
-                  <a:schemeClr val="dk1"/>
-                </a:solidFill>
-                <a:latin typeface="Arial"/>
-                <a:ea typeface="Arial"/>
-                <a:cs typeface="Arial"/>
-                <a:sym typeface="Arial"/>
-              </a:rPr>
-              <a:t>Data range: 01/01/2015-12/31/2020</a:t>
-            </a:r>
-            <a:endParaRPr/>
-          </a:p>
-          <a:p>
-            <a:pPr marL="457200" marR="0" lvl="0" indent="-457200" algn="l" rtl="0">
-              <a:spcBef>
-                <a:spcPts val="0"/>
-              </a:spcBef>
-              <a:spcAft>
-                <a:spcPts val="0"/>
-              </a:spcAft>
-              <a:buClr>
-                <a:schemeClr val="dk1"/>
-              </a:buClr>
-              <a:buSzPts val="2800"/>
-              <a:buFont typeface="Arial"/>
-              <a:buChar char="•"/>
-            </a:pPr>
-            <a:r>
-              <a:rPr lang="en-US" sz="2800">
-                <a:solidFill>
-                  <a:schemeClr val="dk1"/>
-                </a:solidFill>
-                <a:latin typeface="Arial"/>
-                <a:ea typeface="Arial"/>
-                <a:cs typeface="Arial"/>
-                <a:sym typeface="Arial"/>
-              </a:rPr>
-              <a:t>As seen in the land cover and aerial photography, BMTN is unique in that it is largely barren and deciduous forest.</a:t>
-            </a:r>
-            <a:endParaRPr/>
-          </a:p>
-          <a:p>
-            <a:pPr marL="457200" marR="0" lvl="0" indent="-457200" algn="l" rtl="0">
-              <a:spcBef>
-                <a:spcPts val="0"/>
-              </a:spcBef>
-              <a:spcAft>
-                <a:spcPts val="0"/>
-              </a:spcAft>
-              <a:buClr>
-                <a:schemeClr val="dk1"/>
-              </a:buClr>
-              <a:buSzPts val="2800"/>
-              <a:buFont typeface="Arial"/>
-              <a:buChar char="•"/>
-            </a:pPr>
-            <a:r>
-              <a:rPr lang="en-US" sz="2800">
-                <a:solidFill>
-                  <a:schemeClr val="dk1"/>
-                </a:solidFill>
-                <a:latin typeface="Arial"/>
-                <a:ea typeface="Arial"/>
-                <a:cs typeface="Arial"/>
-                <a:sym typeface="Arial"/>
-              </a:rPr>
-              <a:t>Like the other sites, BMTN shows a fractional decrease in temperatures during the spring and to a lesser extent, the summer, though temperature magnitudes are reduced due to elevation.</a:t>
-            </a:r>
-            <a:endParaRPr/>
-          </a:p>
-          <a:p>
-            <a:pPr marL="457200" marR="0" lvl="0" indent="-457200" algn="l" rtl="0">
-              <a:spcBef>
-                <a:spcPts val="0"/>
-              </a:spcBef>
-              <a:spcAft>
-                <a:spcPts val="0"/>
-              </a:spcAft>
-              <a:buClr>
-                <a:schemeClr val="dk1"/>
-              </a:buClr>
-              <a:buSzPts val="2800"/>
-              <a:buFont typeface="Arial"/>
-              <a:buChar char="•"/>
-            </a:pPr>
-            <a:r>
-              <a:rPr lang="en-US" sz="2800">
-                <a:solidFill>
-                  <a:schemeClr val="dk1"/>
-                </a:solidFill>
-                <a:latin typeface="Arial"/>
-                <a:ea typeface="Arial"/>
-                <a:cs typeface="Arial"/>
-                <a:sym typeface="Arial"/>
-              </a:rPr>
-              <a:t>Despite only moderate increases in moisture content,  precipitation sums and very heavy precipitation days have increased significantly in just 6 years, particularly during the cold season. </a:t>
-            </a:r>
-            <a:endParaRPr/>
-          </a:p>
-          <a:p>
-            <a:pPr marL="457200" marR="0" lvl="0" indent="-457200" algn="l" rtl="0">
-              <a:spcBef>
-                <a:spcPts val="0"/>
-              </a:spcBef>
-              <a:spcAft>
-                <a:spcPts val="0"/>
-              </a:spcAft>
-              <a:buClr>
-                <a:schemeClr val="dk1"/>
-              </a:buClr>
-              <a:buSzPts val="2800"/>
-              <a:buFont typeface="Arial"/>
-              <a:buChar char="•"/>
-            </a:pPr>
-            <a:r>
-              <a:rPr lang="en-US" sz="2800">
-                <a:solidFill>
-                  <a:schemeClr val="dk1"/>
-                </a:solidFill>
-                <a:latin typeface="Arial"/>
-                <a:ea typeface="Arial"/>
-                <a:cs typeface="Arial"/>
-                <a:sym typeface="Arial"/>
-              </a:rPr>
-              <a:t>The diurnal temperature range remains constant and comparatively small during this short record, unlike other sites, due in large part due to the frequent cloud cover of the complex terrain.</a:t>
-            </a:r>
-            <a:endParaRPr/>
-          </a:p>
-        </p:txBody>
-      </p:sp>
-      <p:sp>
-        <p:nvSpPr>
-          <p:cNvPr id="136" name="Google Shape;136;p1"/>
-          <p:cNvSpPr txBox="1"/>
-          <p:nvPr/>
-        </p:nvSpPr>
-        <p:spPr>
-          <a:xfrm>
-            <a:off x="27566911" y="19659600"/>
-            <a:ext cx="7256489" cy="13449836"/>
-          </a:xfrm>
-          <a:prstGeom prst="rect">
-            <a:avLst/>
-          </a:prstGeom>
-          <a:noFill/>
-          <a:ln w="9525" cap="flat" cmpd="sng">
-            <a:solidFill>
-              <a:srgbClr val="395E89"/>
-            </a:solidFill>
-            <a:prstDash val="solid"/>
-            <a:round/>
-            <a:headEnd type="none" w="sm" len="sm"/>
-            <a:tailEnd type="none" w="sm" len="sm"/>
-          </a:ln>
-        </p:spPr>
-        <p:txBody>
-          <a:bodyPr spcFirstLastPara="1" wrap="square" lIns="91425" tIns="45700" rIns="91425" bIns="45700" anchor="t" anchorCtr="0">
-            <a:spAutoFit/>
-          </a:bodyPr>
-          <a:lstStyle/>
-          <a:p>
-            <a:pPr marL="0" marR="0" lvl="0" indent="0" algn="l" rtl="0">
-              <a:spcBef>
-                <a:spcPts val="0"/>
-              </a:spcBef>
-              <a:spcAft>
-                <a:spcPts val="0"/>
-              </a:spcAft>
-              <a:buNone/>
-            </a:pPr>
-            <a:r>
-              <a:rPr lang="en-US" sz="3200">
-                <a:solidFill>
-                  <a:srgbClr val="0070C0"/>
-                </a:solidFill>
-                <a:latin typeface="Arial"/>
-                <a:ea typeface="Arial"/>
-                <a:cs typeface="Arial"/>
-                <a:sym typeface="Arial"/>
-              </a:rPr>
-              <a:t>Discussion</a:t>
-            </a:r>
-            <a:endParaRPr/>
-          </a:p>
-          <a:p>
-            <a:pPr marL="457200" marR="0" lvl="0" indent="-457200" algn="l" rtl="0">
-              <a:spcBef>
-                <a:spcPts val="0"/>
-              </a:spcBef>
-              <a:spcAft>
-                <a:spcPts val="0"/>
-              </a:spcAft>
-              <a:buClr>
-                <a:schemeClr val="dk1"/>
-              </a:buClr>
-              <a:buSzPts val="2800"/>
-              <a:buFont typeface="Arial"/>
-              <a:buChar char="•"/>
-            </a:pPr>
-            <a:r>
-              <a:rPr lang="en-US" sz="2800">
-                <a:solidFill>
-                  <a:schemeClr val="dk1"/>
-                </a:solidFill>
-                <a:latin typeface="Arial"/>
-                <a:ea typeface="Arial"/>
-                <a:cs typeface="Arial"/>
-                <a:sym typeface="Arial"/>
-              </a:rPr>
-              <a:t>CRRL in located adjacent to the Ohio River in the North Central portion of close to Cincinnati, OH.</a:t>
-            </a:r>
-            <a:endParaRPr/>
-          </a:p>
-          <a:p>
-            <a:pPr marL="457200" marR="0" lvl="0" indent="-457200" algn="l" rtl="0">
-              <a:spcBef>
-                <a:spcPts val="0"/>
-              </a:spcBef>
-              <a:spcAft>
-                <a:spcPts val="0"/>
-              </a:spcAft>
-              <a:buClr>
-                <a:schemeClr val="dk1"/>
-              </a:buClr>
-              <a:buSzPts val="2800"/>
-              <a:buFont typeface="Arial"/>
-              <a:buChar char="•"/>
-            </a:pPr>
-            <a:r>
-              <a:rPr lang="en-US" sz="2800">
-                <a:solidFill>
-                  <a:schemeClr val="dk1"/>
-                </a:solidFill>
-                <a:latin typeface="Arial"/>
-                <a:ea typeface="Arial"/>
-                <a:cs typeface="Arial"/>
-                <a:sym typeface="Arial"/>
-              </a:rPr>
-              <a:t>Data range: 01/01/2010-12/31/2020</a:t>
-            </a:r>
-            <a:endParaRPr/>
-          </a:p>
-          <a:p>
-            <a:pPr marL="457200" marR="0" lvl="0" indent="-457200" algn="l" rtl="0">
-              <a:spcBef>
-                <a:spcPts val="0"/>
-              </a:spcBef>
-              <a:spcAft>
-                <a:spcPts val="0"/>
-              </a:spcAft>
-              <a:buClr>
-                <a:schemeClr val="dk1"/>
-              </a:buClr>
-              <a:buSzPts val="2800"/>
-              <a:buFont typeface="Arial"/>
-              <a:buChar char="•"/>
-            </a:pPr>
-            <a:r>
-              <a:rPr lang="en-US" sz="2800">
-                <a:solidFill>
-                  <a:schemeClr val="dk1"/>
-                </a:solidFill>
-                <a:latin typeface="Arial"/>
-                <a:ea typeface="Arial"/>
-                <a:cs typeface="Arial"/>
-                <a:sym typeface="Arial"/>
-              </a:rPr>
-              <a:t>Mean temperatures and dew points have a similar evolution to the sub-tropical counterparts. </a:t>
-            </a:r>
-            <a:endParaRPr/>
-          </a:p>
-          <a:p>
-            <a:pPr marL="457200" marR="0" lvl="0" indent="-457200" algn="l" rtl="0">
-              <a:spcBef>
-                <a:spcPts val="0"/>
-              </a:spcBef>
-              <a:spcAft>
-                <a:spcPts val="0"/>
-              </a:spcAft>
-              <a:buClr>
-                <a:schemeClr val="dk1"/>
-              </a:buClr>
-              <a:buSzPts val="2800"/>
-              <a:buFont typeface="Arial"/>
-              <a:buChar char="•"/>
-            </a:pPr>
-            <a:r>
-              <a:rPr lang="en-US" sz="2800">
-                <a:solidFill>
-                  <a:schemeClr val="dk1"/>
-                </a:solidFill>
-                <a:latin typeface="Arial"/>
-                <a:ea typeface="Arial"/>
-                <a:cs typeface="Arial"/>
-                <a:sym typeface="Arial"/>
-              </a:rPr>
-              <a:t>Annual, warm, and cold season precipitation sums also follow a similar pattern to HCKM and GRDR.</a:t>
-            </a:r>
-            <a:endParaRPr/>
-          </a:p>
-          <a:p>
-            <a:pPr marL="457200" marR="0" lvl="0" indent="-457200" algn="l" rtl="0">
-              <a:spcBef>
-                <a:spcPts val="0"/>
-              </a:spcBef>
-              <a:spcAft>
-                <a:spcPts val="0"/>
-              </a:spcAft>
-              <a:buClr>
-                <a:schemeClr val="dk1"/>
-              </a:buClr>
-              <a:buSzPts val="2800"/>
-              <a:buFont typeface="Arial"/>
-              <a:buChar char="•"/>
-            </a:pPr>
-            <a:r>
-              <a:rPr lang="en-US" sz="2800">
-                <a:solidFill>
-                  <a:schemeClr val="dk1"/>
-                </a:solidFill>
-                <a:latin typeface="Arial"/>
-                <a:ea typeface="Arial"/>
-                <a:cs typeface="Arial"/>
-                <a:sym typeface="Arial"/>
-              </a:rPr>
-              <a:t>Very heavy precipitation days on seasonal aggregation scales also follow that of HCKM and GRDR</a:t>
-            </a:r>
-            <a:endParaRPr/>
-          </a:p>
-          <a:p>
-            <a:pPr marL="457200" marR="0" lvl="0" indent="-457200" algn="l" rtl="0">
-              <a:spcBef>
-                <a:spcPts val="0"/>
-              </a:spcBef>
-              <a:spcAft>
-                <a:spcPts val="0"/>
-              </a:spcAft>
-              <a:buClr>
-                <a:schemeClr val="dk1"/>
-              </a:buClr>
-              <a:buSzPts val="2800"/>
-              <a:buFont typeface="Arial"/>
-              <a:buChar char="•"/>
-            </a:pPr>
-            <a:r>
-              <a:rPr lang="en-US" sz="2800">
-                <a:solidFill>
-                  <a:schemeClr val="dk1"/>
-                </a:solidFill>
-                <a:latin typeface="Arial"/>
-                <a:ea typeface="Arial"/>
-                <a:cs typeface="Arial"/>
-                <a:sym typeface="Arial"/>
-              </a:rPr>
-              <a:t>Unlike the sub-tropical sites, the diurnal temperature range at CRRL in winter has a fractional increase of ~14%.</a:t>
-            </a:r>
-            <a:endParaRPr/>
-          </a:p>
-          <a:p>
-            <a:pPr marL="457200" marR="0" lvl="0" indent="-457200" algn="l" rtl="0">
-              <a:spcBef>
-                <a:spcPts val="0"/>
-              </a:spcBef>
-              <a:spcAft>
-                <a:spcPts val="0"/>
-              </a:spcAft>
-              <a:buClr>
-                <a:schemeClr val="dk1"/>
-              </a:buClr>
-              <a:buSzPts val="2800"/>
-              <a:buFont typeface="Arial"/>
-              <a:buChar char="•"/>
-            </a:pPr>
-            <a:r>
-              <a:rPr lang="en-US" sz="2800">
-                <a:solidFill>
-                  <a:schemeClr val="dk1"/>
-                </a:solidFill>
-                <a:latin typeface="Arial"/>
-                <a:ea typeface="Arial"/>
-                <a:cs typeface="Arial"/>
-                <a:sym typeface="Arial"/>
-              </a:rPr>
-              <a:t>The increase is due to a significant increase in winter diurnal maximum temperatures as the diurnal minimum displays a steady, but smaller magnitude increase (not shown).</a:t>
-            </a:r>
-            <a:endParaRPr/>
-          </a:p>
-          <a:p>
-            <a:pPr marL="457200" marR="0" lvl="0" indent="-457200" algn="l" rtl="0">
-              <a:spcBef>
-                <a:spcPts val="0"/>
-              </a:spcBef>
-              <a:spcAft>
-                <a:spcPts val="0"/>
-              </a:spcAft>
-              <a:buClr>
-                <a:schemeClr val="dk1"/>
-              </a:buClr>
-              <a:buSzPts val="2800"/>
-              <a:buFont typeface="Arial"/>
-              <a:buChar char="•"/>
-            </a:pPr>
-            <a:r>
-              <a:rPr lang="en-US" sz="2800">
-                <a:solidFill>
-                  <a:schemeClr val="dk1"/>
-                </a:solidFill>
-                <a:latin typeface="Arial"/>
-                <a:ea typeface="Arial"/>
-                <a:cs typeface="Arial"/>
-                <a:sym typeface="Arial"/>
-              </a:rPr>
-              <a:t>Future work will consider the proximity of the site to the Ohio River on the temperature, moisture, and precipitation characteristics of this site compared with other sites in the continental humid climate that are more distant from the Ohio (e.g. SWON in Mesonet site map).</a:t>
-            </a:r>
-            <a:endParaRPr/>
-          </a:p>
-          <a:p>
-            <a:pPr marL="457200" marR="0" lvl="0" indent="-279400" algn="l" rtl="0">
-              <a:spcBef>
-                <a:spcPts val="0"/>
-              </a:spcBef>
-              <a:spcAft>
-                <a:spcPts val="0"/>
-              </a:spcAft>
-              <a:buClr>
-                <a:schemeClr val="dk1"/>
-              </a:buClr>
-              <a:buSzPts val="2800"/>
-              <a:buFont typeface="Arial"/>
-              <a:buNone/>
-            </a:pPr>
-            <a:endParaRPr sz="2800">
-              <a:solidFill>
-                <a:schemeClr val="dk1"/>
-              </a:solidFill>
-              <a:latin typeface="Arial"/>
-              <a:ea typeface="Arial"/>
-              <a:cs typeface="Arial"/>
-              <a:sym typeface="Arial"/>
-            </a:endParaRPr>
-          </a:p>
-          <a:p>
-            <a:pPr marL="342900" marR="0" lvl="0" indent="-190500" algn="l" rtl="0">
-              <a:spcBef>
-                <a:spcPts val="0"/>
-              </a:spcBef>
-              <a:spcAft>
-                <a:spcPts val="0"/>
-              </a:spcAft>
-              <a:buClr>
-                <a:schemeClr val="dk1"/>
-              </a:buClr>
-              <a:buSzPts val="2400"/>
-              <a:buFont typeface="Arial"/>
-              <a:buNone/>
-            </a:pPr>
-            <a:endParaRPr sz="2400">
-              <a:solidFill>
-                <a:schemeClr val="dk1"/>
-              </a:solidFill>
-              <a:latin typeface="Arial"/>
-              <a:ea typeface="Arial"/>
-              <a:cs typeface="Arial"/>
-              <a:sym typeface="Arial"/>
-            </a:endParaRPr>
-          </a:p>
-        </p:txBody>
-      </p:sp>
-      <p:sp>
-        <p:nvSpPr>
-          <p:cNvPr id="137" name="Google Shape;137;p1"/>
-          <p:cNvSpPr txBox="1"/>
-          <p:nvPr/>
-        </p:nvSpPr>
-        <p:spPr>
-          <a:xfrm>
-            <a:off x="19354800" y="19625370"/>
-            <a:ext cx="7256489" cy="12588061"/>
-          </a:xfrm>
-          <a:prstGeom prst="rect">
-            <a:avLst/>
-          </a:prstGeom>
-          <a:noFill/>
-          <a:ln w="9525" cap="flat" cmpd="sng">
-            <a:solidFill>
-              <a:srgbClr val="395E89"/>
-            </a:solidFill>
-            <a:prstDash val="solid"/>
-            <a:round/>
-            <a:headEnd type="none" w="sm" len="sm"/>
-            <a:tailEnd type="none" w="sm" len="sm"/>
-          </a:ln>
-        </p:spPr>
-        <p:txBody>
-          <a:bodyPr spcFirstLastPara="1" wrap="square" lIns="91425" tIns="45700" rIns="91425" bIns="45700" anchor="t" anchorCtr="0">
-            <a:spAutoFit/>
-          </a:bodyPr>
-          <a:lstStyle/>
-          <a:p>
-            <a:pPr marL="0" marR="0" lvl="0" indent="0" algn="l" rtl="0">
-              <a:spcBef>
-                <a:spcPts val="0"/>
-              </a:spcBef>
-              <a:spcAft>
-                <a:spcPts val="0"/>
-              </a:spcAft>
-              <a:buNone/>
-            </a:pPr>
-            <a:r>
-              <a:rPr lang="en-US" sz="3200">
-                <a:solidFill>
-                  <a:srgbClr val="0070C0"/>
-                </a:solidFill>
-                <a:latin typeface="Arial"/>
-                <a:ea typeface="Arial"/>
-                <a:cs typeface="Arial"/>
-                <a:sym typeface="Arial"/>
-              </a:rPr>
-              <a:t>Discussion</a:t>
-            </a:r>
-            <a:endParaRPr/>
-          </a:p>
-          <a:p>
-            <a:pPr marL="457200" marR="0" lvl="0" indent="-457200" algn="l" rtl="0">
-              <a:spcBef>
-                <a:spcPts val="0"/>
-              </a:spcBef>
-              <a:spcAft>
-                <a:spcPts val="0"/>
-              </a:spcAft>
-              <a:buClr>
-                <a:schemeClr val="dk1"/>
-              </a:buClr>
-              <a:buSzPts val="2800"/>
-              <a:buFont typeface="Arial"/>
-              <a:buChar char="•"/>
-            </a:pPr>
-            <a:r>
-              <a:rPr lang="en-US" sz="2800">
-                <a:solidFill>
-                  <a:schemeClr val="dk1"/>
-                </a:solidFill>
-                <a:latin typeface="Arial"/>
-                <a:ea typeface="Arial"/>
-                <a:cs typeface="Arial"/>
-                <a:sym typeface="Arial"/>
-              </a:rPr>
-              <a:t>GRDR in located in South Central Kentucky in the flood plain of a Cumberland River and a tributary. </a:t>
-            </a:r>
-            <a:endParaRPr/>
-          </a:p>
-          <a:p>
-            <a:pPr marL="457200" marR="0" lvl="0" indent="-457200" algn="l" rtl="0">
-              <a:spcBef>
-                <a:spcPts val="0"/>
-              </a:spcBef>
-              <a:spcAft>
-                <a:spcPts val="0"/>
-              </a:spcAft>
-              <a:buClr>
-                <a:schemeClr val="dk1"/>
-              </a:buClr>
-              <a:buSzPts val="2800"/>
-              <a:buFont typeface="Arial"/>
-              <a:buChar char="•"/>
-            </a:pPr>
-            <a:r>
-              <a:rPr lang="en-US" sz="2800">
-                <a:solidFill>
-                  <a:schemeClr val="dk1"/>
-                </a:solidFill>
-                <a:latin typeface="Arial"/>
-                <a:ea typeface="Arial"/>
-                <a:cs typeface="Arial"/>
-                <a:sym typeface="Arial"/>
-              </a:rPr>
-              <a:t>Data range: 01/01/2010-12/31/2020</a:t>
-            </a:r>
-            <a:endParaRPr/>
-          </a:p>
-          <a:p>
-            <a:pPr marL="457200" marR="0" lvl="0" indent="-457200" algn="l" rtl="0">
-              <a:spcBef>
-                <a:spcPts val="0"/>
-              </a:spcBef>
-              <a:spcAft>
-                <a:spcPts val="0"/>
-              </a:spcAft>
-              <a:buClr>
-                <a:schemeClr val="dk1"/>
-              </a:buClr>
-              <a:buSzPts val="2800"/>
-              <a:buFont typeface="Arial"/>
-              <a:buChar char="•"/>
-            </a:pPr>
-            <a:r>
-              <a:rPr lang="en-US" sz="2800">
-                <a:solidFill>
-                  <a:schemeClr val="dk1"/>
-                </a:solidFill>
-                <a:latin typeface="Arial"/>
-                <a:ea typeface="Arial"/>
-                <a:cs typeface="Arial"/>
-                <a:sym typeface="Arial"/>
-              </a:rPr>
-              <a:t>The temperature and near-surface moisture indices mimic those of HCKM, a result unsurprising given the sun-tropical, low-elevation climate of both sites. </a:t>
-            </a:r>
-            <a:endParaRPr/>
-          </a:p>
-          <a:p>
-            <a:pPr marL="457200" marR="0" lvl="0" indent="-457200" algn="l" rtl="0">
-              <a:spcBef>
-                <a:spcPts val="0"/>
-              </a:spcBef>
-              <a:spcAft>
-                <a:spcPts val="0"/>
-              </a:spcAft>
-              <a:buClr>
-                <a:schemeClr val="dk1"/>
-              </a:buClr>
-              <a:buSzPts val="2800"/>
-              <a:buFont typeface="Arial"/>
-              <a:buChar char="•"/>
-            </a:pPr>
-            <a:r>
-              <a:rPr lang="en-US" sz="2800">
-                <a:solidFill>
-                  <a:schemeClr val="dk1"/>
-                </a:solidFill>
-                <a:latin typeface="Arial"/>
-                <a:ea typeface="Arial"/>
-                <a:cs typeface="Arial"/>
-                <a:sym typeface="Arial"/>
-              </a:rPr>
-              <a:t>Unlike HCKM, warm season net precipitation has been decreasing over the last decade. </a:t>
-            </a:r>
-            <a:endParaRPr/>
-          </a:p>
-          <a:p>
-            <a:pPr marL="457200" marR="0" lvl="0" indent="-457200" algn="l" rtl="0">
-              <a:spcBef>
-                <a:spcPts val="0"/>
-              </a:spcBef>
-              <a:spcAft>
-                <a:spcPts val="0"/>
-              </a:spcAft>
-              <a:buClr>
-                <a:schemeClr val="dk1"/>
-              </a:buClr>
-              <a:buSzPts val="2800"/>
-              <a:buFont typeface="Arial"/>
-              <a:buChar char="•"/>
-            </a:pPr>
-            <a:r>
-              <a:rPr lang="en-US" sz="2800">
-                <a:solidFill>
-                  <a:schemeClr val="dk1"/>
-                </a:solidFill>
-                <a:latin typeface="Arial"/>
-                <a:ea typeface="Arial"/>
-                <a:cs typeface="Arial"/>
-                <a:sym typeface="Arial"/>
-              </a:rPr>
-              <a:t>Overall, the diurnal temperature range is larger than at HCKM due to the site being surrounded by tall bluffs, inviting drainage flows promote smaller minimum temperatures. </a:t>
-            </a:r>
-            <a:endParaRPr sz="2800">
-              <a:solidFill>
-                <a:schemeClr val="dk1"/>
-              </a:solidFill>
-              <a:highlight>
-                <a:srgbClr val="FFFF00"/>
-              </a:highlight>
-              <a:latin typeface="Arial"/>
-              <a:ea typeface="Arial"/>
-              <a:cs typeface="Arial"/>
-              <a:sym typeface="Arial"/>
-            </a:endParaRPr>
-          </a:p>
-          <a:p>
-            <a:pPr marL="457200" marR="0" lvl="0" indent="-457200" algn="l" rtl="0">
-              <a:spcBef>
-                <a:spcPts val="0"/>
-              </a:spcBef>
-              <a:spcAft>
-                <a:spcPts val="0"/>
-              </a:spcAft>
-              <a:buClr>
-                <a:schemeClr val="dk1"/>
-              </a:buClr>
-              <a:buSzPts val="2800"/>
-              <a:buFont typeface="Arial"/>
-              <a:buChar char="•"/>
-            </a:pPr>
-            <a:r>
-              <a:rPr lang="en-US" sz="2800">
-                <a:solidFill>
-                  <a:schemeClr val="dk1"/>
-                </a:solidFill>
-                <a:latin typeface="Arial"/>
-                <a:ea typeface="Arial"/>
-                <a:cs typeface="Arial"/>
-                <a:sym typeface="Arial"/>
-              </a:rPr>
-              <a:t>Like HCKM, the magnitude of the Precipitation – Evapotranspiration (P-E) increases in magnitude as time advances over the past decade, indicative of a “wet get wetter” scenario.</a:t>
-            </a:r>
-            <a:endParaRPr/>
-          </a:p>
-          <a:p>
-            <a:pPr marL="457200" marR="0" lvl="0" indent="-457200" algn="l" rtl="0">
-              <a:spcBef>
-                <a:spcPts val="0"/>
-              </a:spcBef>
-              <a:spcAft>
-                <a:spcPts val="0"/>
-              </a:spcAft>
-              <a:buClr>
-                <a:schemeClr val="dk1"/>
-              </a:buClr>
-              <a:buSzPts val="2800"/>
-              <a:buFont typeface="Arial"/>
-              <a:buChar char="•"/>
-            </a:pPr>
-            <a:r>
-              <a:rPr lang="en-US" sz="2800">
-                <a:solidFill>
-                  <a:schemeClr val="dk1"/>
-                </a:solidFill>
-                <a:latin typeface="Arial"/>
-                <a:ea typeface="Arial"/>
-                <a:cs typeface="Arial"/>
-                <a:sym typeface="Arial"/>
-              </a:rPr>
-              <a:t>The number of very heavy precipitation days are slightly larger than that at HCKM but the fractional increase has been smaller.</a:t>
-            </a:r>
-            <a:endParaRPr/>
-          </a:p>
-          <a:p>
-            <a:pPr marL="0" marR="0" lvl="0" indent="0" algn="l" rtl="0">
-              <a:spcBef>
-                <a:spcPts val="0"/>
-              </a:spcBef>
-              <a:spcAft>
-                <a:spcPts val="0"/>
-              </a:spcAft>
-              <a:buNone/>
-            </a:pPr>
-            <a:endParaRPr sz="2800">
-              <a:solidFill>
-                <a:schemeClr val="dk1"/>
-              </a:solidFill>
-              <a:latin typeface="Arial"/>
-              <a:ea typeface="Arial"/>
-              <a:cs typeface="Arial"/>
-              <a:sym typeface="Arial"/>
-            </a:endParaRPr>
-          </a:p>
-          <a:p>
-            <a:pPr marL="342900" marR="0" lvl="0" indent="-190500" algn="l" rtl="0">
-              <a:spcBef>
-                <a:spcPts val="0"/>
-              </a:spcBef>
-              <a:spcAft>
-                <a:spcPts val="0"/>
-              </a:spcAft>
-              <a:buClr>
-                <a:schemeClr val="dk1"/>
-              </a:buClr>
-              <a:buSzPts val="2400"/>
-              <a:buFont typeface="Arial"/>
-              <a:buNone/>
-            </a:pPr>
-            <a:endParaRPr sz="2400">
-              <a:solidFill>
-                <a:schemeClr val="dk1"/>
-              </a:solidFill>
-              <a:latin typeface="Arial"/>
-              <a:ea typeface="Arial"/>
-              <a:cs typeface="Arial"/>
-              <a:sym typeface="Arial"/>
-            </a:endParaRPr>
-          </a:p>
-        </p:txBody>
-      </p:sp>
-      <p:sp>
-        <p:nvSpPr>
-          <p:cNvPr id="145" name="Google Shape;145;p1"/>
-          <p:cNvSpPr txBox="1"/>
-          <p:nvPr/>
-        </p:nvSpPr>
-        <p:spPr>
-          <a:xfrm>
-            <a:off x="35720311" y="29946600"/>
-            <a:ext cx="7256489" cy="2492990"/>
-          </a:xfrm>
-          <a:prstGeom prst="rect">
-            <a:avLst/>
-          </a:prstGeom>
-          <a:noFill/>
-          <a:ln>
-            <a:noFill/>
-          </a:ln>
-        </p:spPr>
-        <p:txBody>
-          <a:bodyPr spcFirstLastPara="1" wrap="square" lIns="91425" tIns="45700" rIns="91425" bIns="45700" anchor="t" anchorCtr="0">
-            <a:spAutoFit/>
-          </a:bodyPr>
-          <a:lstStyle/>
-          <a:p>
-            <a:pPr marL="342900" marR="0" lvl="0" indent="-342900" algn="l" rtl="0">
-              <a:spcBef>
-                <a:spcPts val="0"/>
-              </a:spcBef>
-              <a:spcAft>
-                <a:spcPts val="0"/>
-              </a:spcAft>
-              <a:buClr>
-                <a:schemeClr val="dk1"/>
-              </a:buClr>
-              <a:buSzPts val="2600"/>
-              <a:buFont typeface="Arial"/>
-              <a:buChar char="•"/>
-            </a:pPr>
-            <a:r>
-              <a:rPr lang="en-US" sz="2600">
-                <a:solidFill>
-                  <a:schemeClr val="dk1"/>
-                </a:solidFill>
-                <a:latin typeface="Arial"/>
-                <a:ea typeface="Arial"/>
-                <a:cs typeface="Arial"/>
-                <a:sym typeface="Arial"/>
-              </a:rPr>
-              <a:t>Please contact </a:t>
-            </a:r>
-            <a:r>
-              <a:rPr lang="en-US" sz="2600" u="sng">
-                <a:solidFill>
-                  <a:schemeClr val="dk1"/>
-                </a:solidFill>
-                <a:latin typeface="Arial"/>
-                <a:ea typeface="Arial"/>
-                <a:cs typeface="Arial"/>
-                <a:sym typeface="Arial"/>
-                <a:hlinkClick r:id="rId4">
-                  <a:extLst>
-                    <a:ext uri="{A12FA001-AC4F-418D-AE19-62706E023703}">
-                      <ahyp:hlinkClr xmlns:ahyp="http://schemas.microsoft.com/office/drawing/2018/hyperlinkcolor" val="tx"/>
-                    </a:ext>
-                  </a:extLst>
-                </a:hlinkClick>
-              </a:rPr>
-              <a:t>eric.rappin@wku.edu</a:t>
-            </a:r>
-            <a:r>
-              <a:rPr lang="en-US" sz="2600">
-                <a:solidFill>
-                  <a:schemeClr val="dk1"/>
-                </a:solidFill>
-                <a:latin typeface="Arial"/>
-                <a:ea typeface="Arial"/>
-                <a:cs typeface="Arial"/>
-                <a:sym typeface="Arial"/>
-              </a:rPr>
-              <a:t> for a full list of indices under development.</a:t>
-            </a:r>
-            <a:endParaRPr/>
-          </a:p>
-          <a:p>
-            <a:pPr marL="342900" marR="0" lvl="0" indent="-342900" algn="l" rtl="0">
-              <a:spcBef>
-                <a:spcPts val="0"/>
-              </a:spcBef>
-              <a:spcAft>
-                <a:spcPts val="0"/>
-              </a:spcAft>
-              <a:buClr>
-                <a:schemeClr val="dk1"/>
-              </a:buClr>
-              <a:buSzPts val="2600"/>
-              <a:buFont typeface="Arial"/>
-              <a:buChar char="•"/>
-            </a:pPr>
-            <a:r>
-              <a:rPr lang="en-US" sz="2600">
-                <a:solidFill>
-                  <a:schemeClr val="dk1"/>
-                </a:solidFill>
-                <a:latin typeface="Arial"/>
-                <a:ea typeface="Arial"/>
-                <a:cs typeface="Arial"/>
-                <a:sym typeface="Arial"/>
-              </a:rPr>
-              <a:t>Visit kymesonet.org in the near future to investigate the plethora of climate information being developed by the Kentucky Climate Center and Kentucky Mesonet.</a:t>
-            </a:r>
-            <a:endParaRPr/>
-          </a:p>
-        </p:txBody>
-      </p:sp>
       <p:pic>
         <p:nvPicPr>
           <p:cNvPr id="3" name="Picture 2" descr="A logo for a parking service&#10;&#10;Description automatically generated">
@@ -14672,7 +13675,7 @@
           <p:nvPr/>
         </p:nvPicPr>
         <p:blipFill>
-          <a:blip r:embed="rId5"/>
+          <a:blip r:embed="rId4"/>
           <a:stretch>
             <a:fillRect/>
           </a:stretch>
@@ -14702,7 +13705,7 @@
           <p:nvPr/>
         </p:nvPicPr>
         <p:blipFill>
-          <a:blip r:embed="rId6"/>
+          <a:blip r:embed="rId5"/>
           <a:stretch>
             <a:fillRect/>
           </a:stretch>
@@ -14710,7 +13713,7 @@
         <p:spPr>
           <a:xfrm>
             <a:off x="11239140" y="4094718"/>
-            <a:ext cx="7599507" cy="7599507"/>
+            <a:ext cx="7864036" cy="7864036"/>
           </a:xfrm>
           <a:prstGeom prst="rect">
             <a:avLst/>
@@ -14732,7 +13735,7 @@
           <p:nvPr/>
         </p:nvPicPr>
         <p:blipFill>
-          <a:blip r:embed="rId7"/>
+          <a:blip r:embed="rId6"/>
           <a:stretch>
             <a:fillRect/>
           </a:stretch>
@@ -14747,6 +13750,288 @@
           </a:prstGeom>
         </p:spPr>
       </p:pic>
+      <p:sp>
+        <p:nvSpPr>
+          <p:cNvPr id="4" name="TextBox 3">
+            <a:extLst>
+              <a:ext uri="{FF2B5EF4-FFF2-40B4-BE49-F238E27FC236}">
+                <a16:creationId xmlns:a16="http://schemas.microsoft.com/office/drawing/2014/main" id="{7B3920AD-383C-D65B-DF56-C83BCDDF1D52}"/>
+              </a:ext>
+            </a:extLst>
+          </p:cNvPr>
+          <p:cNvSpPr txBox="1"/>
+          <p:nvPr/>
+        </p:nvSpPr>
+        <p:spPr>
+          <a:xfrm>
+            <a:off x="20857353" y="7734348"/>
+            <a:ext cx="3029997" cy="1077218"/>
+          </a:xfrm>
+          <a:prstGeom prst="rect">
+            <a:avLst/>
+          </a:prstGeom>
+          <a:noFill/>
+        </p:spPr>
+        <p:txBody>
+          <a:bodyPr wrap="none" rtlCol="0">
+            <a:spAutoFit/>
+          </a:bodyPr>
+          <a:lstStyle/>
+          <a:p>
+            <a:r>
+              <a:rPr lang="en-US" sz="3200" dirty="0"/>
+              <a:t>Insert Image of </a:t>
+            </a:r>
+          </a:p>
+          <a:p>
+            <a:r>
+              <a:rPr lang="en-US" sz="3200" dirty="0"/>
+              <a:t>Parking Pass</a:t>
+            </a:r>
+          </a:p>
+        </p:txBody>
+      </p:sp>
+      <p:sp>
+        <p:nvSpPr>
+          <p:cNvPr id="6" name="TextBox 5">
+            <a:extLst>
+              <a:ext uri="{FF2B5EF4-FFF2-40B4-BE49-F238E27FC236}">
+                <a16:creationId xmlns:a16="http://schemas.microsoft.com/office/drawing/2014/main" id="{AA6F26E1-C10C-2A90-1C85-BA50C91A65DA}"/>
+              </a:ext>
+            </a:extLst>
+          </p:cNvPr>
+          <p:cNvSpPr txBox="1"/>
+          <p:nvPr/>
+        </p:nvSpPr>
+        <p:spPr>
+          <a:xfrm>
+            <a:off x="20857353" y="14809719"/>
+            <a:ext cx="3555782" cy="1569660"/>
+          </a:xfrm>
+          <a:prstGeom prst="rect">
+            <a:avLst/>
+          </a:prstGeom>
+          <a:noFill/>
+        </p:spPr>
+        <p:txBody>
+          <a:bodyPr wrap="none" rtlCol="0">
+            <a:spAutoFit/>
+          </a:bodyPr>
+          <a:lstStyle/>
+          <a:p>
+            <a:r>
+              <a:rPr lang="en-US" sz="3200" dirty="0"/>
+              <a:t>Insert Image of </a:t>
+            </a:r>
+          </a:p>
+          <a:p>
+            <a:r>
+              <a:rPr lang="en-US" sz="3200" dirty="0"/>
+              <a:t>RFID Tag on Back</a:t>
+            </a:r>
+            <a:br>
+              <a:rPr lang="en-US" sz="3200" dirty="0"/>
+            </a:br>
+            <a:r>
+              <a:rPr lang="en-US" sz="3200" dirty="0"/>
+              <a:t>of Parking Pass</a:t>
+            </a:r>
+          </a:p>
+        </p:txBody>
+      </p:sp>
+      <p:sp>
+        <p:nvSpPr>
+          <p:cNvPr id="10" name="Google Shape;99;p1">
+            <a:extLst>
+              <a:ext uri="{FF2B5EF4-FFF2-40B4-BE49-F238E27FC236}">
+                <a16:creationId xmlns:a16="http://schemas.microsoft.com/office/drawing/2014/main" id="{2F2BA7BF-6FBA-40CF-CE9D-219717DCBB77}"/>
+              </a:ext>
+            </a:extLst>
+          </p:cNvPr>
+          <p:cNvSpPr txBox="1"/>
+          <p:nvPr/>
+        </p:nvSpPr>
+        <p:spPr>
+          <a:xfrm>
+            <a:off x="27670790" y="19583400"/>
+            <a:ext cx="14940903" cy="10987583"/>
+          </a:xfrm>
+          <a:prstGeom prst="rect">
+            <a:avLst/>
+          </a:prstGeom>
+          <a:noFill/>
+          <a:ln w="9525" cap="flat" cmpd="sng">
+            <a:solidFill>
+              <a:srgbClr val="395E89"/>
+            </a:solidFill>
+            <a:prstDash val="solid"/>
+            <a:round/>
+            <a:headEnd type="none" w="sm" len="sm"/>
+            <a:tailEnd type="none" w="sm" len="sm"/>
+          </a:ln>
+        </p:spPr>
+        <p:txBody>
+          <a:bodyPr spcFirstLastPara="1" wrap="square" lIns="91425" tIns="45700" rIns="91425" bIns="45700" anchor="t" anchorCtr="0">
+            <a:spAutoFit/>
+          </a:bodyPr>
+          <a:lstStyle/>
+          <a:p>
+            <a:pPr marL="0" marR="0" lvl="0" indent="0" algn="l" rtl="0">
+              <a:spcBef>
+                <a:spcPts val="0"/>
+              </a:spcBef>
+              <a:spcAft>
+                <a:spcPts val="0"/>
+              </a:spcAft>
+              <a:buNone/>
+            </a:pPr>
+            <a:r>
+              <a:rPr lang="en-US" sz="3600" dirty="0">
+                <a:solidFill>
+                  <a:srgbClr val="0070C0"/>
+                </a:solidFill>
+                <a:latin typeface="Arial"/>
+                <a:ea typeface="Arial"/>
+                <a:cs typeface="Arial"/>
+                <a:sym typeface="Arial"/>
+              </a:rPr>
+              <a:t>Alien P.R.O.B.E. App</a:t>
+            </a:r>
+            <a:endParaRPr lang="en-US" sz="1600" dirty="0"/>
+          </a:p>
+          <a:p>
+            <a:pPr marL="457200" marR="0" lvl="0" indent="-457200" algn="l" rtl="0">
+              <a:spcBef>
+                <a:spcPts val="0"/>
+              </a:spcBef>
+              <a:spcAft>
+                <a:spcPts val="0"/>
+              </a:spcAft>
+              <a:buClr>
+                <a:schemeClr val="dk1"/>
+              </a:buClr>
+              <a:buSzPts val="2800"/>
+              <a:buFont typeface="Arial" panose="020B0604020202020204" pitchFamily="34" charset="0"/>
+              <a:buChar char="•"/>
+            </a:pPr>
+            <a:r>
+              <a:rPr lang="en-US" sz="3200" dirty="0">
+                <a:solidFill>
+                  <a:schemeClr val="dk1"/>
+                </a:solidFill>
+              </a:rPr>
+              <a:t>The Alien P.R.O.B.E. app has multiple menu screens as pictured above, these allow the user to navigate to the section of the app with the functionality they need at that moment.</a:t>
+            </a:r>
+          </a:p>
+          <a:p>
+            <a:pPr marL="457200" marR="0" lvl="0" indent="-457200" algn="l" rtl="0">
+              <a:spcBef>
+                <a:spcPts val="0"/>
+              </a:spcBef>
+              <a:spcAft>
+                <a:spcPts val="0"/>
+              </a:spcAft>
+              <a:buClr>
+                <a:schemeClr val="dk1"/>
+              </a:buClr>
+              <a:buSzPts val="2800"/>
+              <a:buFont typeface="Arial" panose="020B0604020202020204" pitchFamily="34" charset="0"/>
+              <a:buChar char="•"/>
+            </a:pPr>
+            <a:r>
+              <a:rPr lang="en-US" sz="3200" dirty="0">
+                <a:solidFill>
+                  <a:schemeClr val="dk1"/>
+                </a:solidFill>
+              </a:rPr>
+              <a:t>The Setup button opens the portion of the app that allows the user to determine what type of connection they will use as well as set it up. If the connection between the reader and the app is through a network connection, the user inputs the reader IP, port, as well as their credentials to ensure only people with the correct access can access the reader functions. If the user is using a Bluetooth connection, the reader IP and port aren’t needed but the username and password credentials are to maintain security.</a:t>
+            </a:r>
+          </a:p>
+          <a:p>
+            <a:pPr marL="457200" marR="0" lvl="0" indent="-457200" algn="l" rtl="0">
+              <a:spcBef>
+                <a:spcPts val="0"/>
+              </a:spcBef>
+              <a:spcAft>
+                <a:spcPts val="0"/>
+              </a:spcAft>
+              <a:buClr>
+                <a:schemeClr val="dk1"/>
+              </a:buClr>
+              <a:buSzPts val="2800"/>
+              <a:buFont typeface="Arial" panose="020B0604020202020204" pitchFamily="34" charset="0"/>
+              <a:buChar char="•"/>
+            </a:pPr>
+            <a:r>
+              <a:rPr lang="en-US" sz="3200" dirty="0">
+                <a:solidFill>
+                  <a:schemeClr val="dk1"/>
+                </a:solidFill>
+              </a:rPr>
+              <a:t>The Scan button leads to the main function of the app, when the On/Off switch is toggled On and the scan button is pressed the RFID Reader will begin sending tags to the app through the connection type specified in the Setup section. This checks for duplicate tags automatically to avoid clutter, and pressing the Clear button removes all tags from the view. All unique tags scanned within a session are stored in the Saved Tags section, which can be viewed at any time by pressing the View Saved Tags button on the Scan menu.</a:t>
+            </a:r>
+          </a:p>
+          <a:p>
+            <a:pPr marL="457200" marR="0" lvl="0" indent="-457200" algn="l" rtl="0">
+              <a:spcBef>
+                <a:spcPts val="0"/>
+              </a:spcBef>
+              <a:spcAft>
+                <a:spcPts val="0"/>
+              </a:spcAft>
+              <a:buClr>
+                <a:schemeClr val="dk1"/>
+              </a:buClr>
+              <a:buSzPts val="2800"/>
+              <a:buFont typeface="Arial" panose="020B0604020202020204" pitchFamily="34" charset="0"/>
+              <a:buChar char="•"/>
+            </a:pPr>
+            <a:r>
+              <a:rPr lang="en-US" sz="3200" dirty="0">
+                <a:solidFill>
+                  <a:schemeClr val="dk1"/>
+                </a:solidFill>
+              </a:rPr>
+              <a:t>The About page gives user a brief description and tutorial of how to operate the app, including setting up the connection to the reader, and how to properly scan tags. It also includes the credits for the app, listing all developers and designers for the app.</a:t>
+            </a:r>
+          </a:p>
+        </p:txBody>
+      </p:sp>
+      <p:sp>
+        <p:nvSpPr>
+          <p:cNvPr id="11" name="TextBox 10">
+            <a:extLst>
+              <a:ext uri="{FF2B5EF4-FFF2-40B4-BE49-F238E27FC236}">
+                <a16:creationId xmlns:a16="http://schemas.microsoft.com/office/drawing/2014/main" id="{CEFC2C88-7C2B-1C15-8CD9-BB6E53970077}"/>
+              </a:ext>
+            </a:extLst>
+          </p:cNvPr>
+          <p:cNvSpPr txBox="1"/>
+          <p:nvPr/>
+        </p:nvSpPr>
+        <p:spPr>
+          <a:xfrm>
+            <a:off x="32675372" y="11062343"/>
+            <a:ext cx="5785558" cy="584775"/>
+          </a:xfrm>
+          <a:prstGeom prst="rect">
+            <a:avLst/>
+          </a:prstGeom>
+          <a:noFill/>
+        </p:spPr>
+        <p:txBody>
+          <a:bodyPr wrap="none" rtlCol="0">
+            <a:spAutoFit/>
+          </a:bodyPr>
+          <a:lstStyle/>
+          <a:p>
+            <a:r>
+              <a:rPr lang="en-US" sz="3200" dirty="0"/>
+              <a:t>Insert Images of app UI Menus</a:t>
+            </a:r>
+          </a:p>
+        </p:txBody>
+      </p:sp>
     </p:spTree>
   </p:cSld>
   <p:clrMapOvr>

--- a/Showcase/AlienPROBEShowcasePoster.pptx
+++ b/Showcase/AlienPROBEShowcasePoster.pptx
@@ -257,7 +257,7 @@
       </p15:sldGuideLst>
     </p:ext>
     <p:ext uri="GoogleSlidesCustomDataVersion2">
-      <go:slidesCustomData xmlns="" xmlns:mc="http://schemas.openxmlformats.org/markup-compatibility/2006" xmlns:mv="urn:schemas-microsoft-com:mac:vml" xmlns:c="http://schemas.openxmlformats.org/drawingml/2006/chart" xmlns:dgm="http://schemas.openxmlformats.org/drawingml/2006/diagram" xmlns:o="urn:schemas-microsoft-com:office:office" xmlns:v="urn:schemas-microsoft-com:vml" xmlns:pvml="urn:schemas-microsoft-com:office:powerpoint" xmlns:com="http://schemas.openxmlformats.org/drawingml/2006/compatibility" xmlns:p14="http://schemas.microsoft.com/office/powerpoint/2010/main" xmlns:p15="http://schemas.microsoft.com/office/powerpoint/2012/main" xmlns:ahyp="http://schemas.microsoft.com/office/drawing/2018/hyperlinkcolor" xmlns:go="http://customooxmlschemas.google.com/" r:id="rId7" roundtripDataSignature="AMtx7miFYYJPG2C3RTdzwF0zNza9wmJGGw=="/>
+      <go:slidesCustomData xmlns:go="http://customooxmlschemas.google.com/" xmlns:ahyp="http://schemas.microsoft.com/office/drawing/2018/hyperlinkcolor" xmlns:p15="http://schemas.microsoft.com/office/powerpoint/2012/main" xmlns:p14="http://schemas.microsoft.com/office/powerpoint/2010/main" xmlns:com="http://schemas.openxmlformats.org/drawingml/2006/compatibility" xmlns:pvml="urn:schemas-microsoft-com:office:powerpoint" xmlns:v="urn:schemas-microsoft-com:vml" xmlns:o="urn:schemas-microsoft-com:office:office" xmlns:dgm="http://schemas.openxmlformats.org/drawingml/2006/diagram" xmlns:c="http://schemas.openxmlformats.org/drawingml/2006/chart" xmlns:mv="urn:schemas-microsoft-com:mac:vml" xmlns:mc="http://schemas.openxmlformats.org/markup-compatibility/2006" xmlns="" r:id="rId7" roundtripDataSignature="AMtx7miFYYJPG2C3RTdzwF0zNza9wmJGGw=="/>
     </p:ext>
   </p:extLst>
 </p:presentation>
@@ -12664,14 +12664,14 @@
             <a:r>
               <a:rPr lang="en-US" sz="5400" b="1" dirty="0">
                 <a:solidFill>
-                  <a:srgbClr val="0070C0"/>
+                  <a:srgbClr val="C0504D"/>
                 </a:solidFill>
               </a:rPr>
               <a:t>Alien P.R.O.B.E RFID Reader/Scanner App</a:t>
             </a:r>
             <a:endParaRPr sz="5400" b="1" dirty="0">
               <a:solidFill>
-                <a:srgbClr val="0070C0"/>
+                <a:srgbClr val="C0504D"/>
               </a:solidFill>
               <a:latin typeface="Calibri"/>
               <a:ea typeface="Calibri"/>
@@ -12873,7 +12873,7 @@
         </p:blipFill>
         <p:spPr>
           <a:xfrm>
-            <a:off x="36490699" y="661894"/>
+            <a:off x="4702629" y="560943"/>
             <a:ext cx="3940463" cy="1773936"/>
           </a:xfrm>
           <a:prstGeom prst="rect">
@@ -12897,8 +12897,8 @@
         </p:nvSpPr>
         <p:spPr>
           <a:xfrm>
-            <a:off x="533400" y="1175657"/>
-            <a:ext cx="43891200" cy="1796143"/>
+            <a:off x="332932" y="769338"/>
+            <a:ext cx="42889452" cy="1796143"/>
           </a:xfrm>
           <a:prstGeom prst="rect">
             <a:avLst/>
@@ -12981,8 +12981,8 @@
         </p:nvSpPr>
         <p:spPr>
           <a:xfrm>
-            <a:off x="668815" y="3115449"/>
-            <a:ext cx="10241280" cy="14496236"/>
+            <a:off x="1435953" y="19963893"/>
+            <a:ext cx="10806414" cy="12218689"/>
           </a:xfrm>
           <a:prstGeom prst="rect">
             <a:avLst/>
@@ -13004,38 +13004,6 @@
           </a:bodyPr>
           <a:lstStyle/>
           <a:p>
-            <a:pPr marL="0" marR="0" lvl="0" indent="0" algn="l" rtl="0">
-              <a:spcBef>
-                <a:spcPts val="0"/>
-              </a:spcBef>
-              <a:spcAft>
-                <a:spcPts val="0"/>
-              </a:spcAft>
-              <a:buNone/>
-            </a:pPr>
-            <a:r>
-              <a:rPr lang="en-US" sz="3600" dirty="0">
-                <a:solidFill>
-                  <a:srgbClr val="0070C0"/>
-                </a:solidFill>
-                <a:latin typeface="Arial"/>
-                <a:ea typeface="Arial"/>
-                <a:cs typeface="Arial"/>
-                <a:sym typeface="Arial"/>
-              </a:rPr>
-              <a:t>What is this Project?</a:t>
-            </a:r>
-            <a:endParaRPr sz="2400" dirty="0">
-              <a:solidFill>
-                <a:schemeClr val="dk1"/>
-              </a:solidFill>
-              <a:latin typeface="Arial"/>
-              <a:ea typeface="Arial"/>
-              <a:cs typeface="Arial"/>
-              <a:sym typeface="Arial"/>
-            </a:endParaRPr>
-          </a:p>
-          <a:p>
             <a:pPr marL="342900" marR="0" lvl="0" indent="-342900" algn="just" rtl="0">
               <a:spcBef>
                 <a:spcPts val="0"/>
@@ -13240,16 +13208,20 @@
             </a:endParaRPr>
           </a:p>
           <a:p>
-            <a:pPr lvl="1"/>
+            <a:pPr lvl="1" algn="ctr"/>
             <a:r>
-              <a:rPr lang="en-US" sz="3600" dirty="0">
-                <a:solidFill>
-                  <a:srgbClr val="0070C0"/>
+              <a:rPr lang="en-US" sz="3600" b="1" dirty="0">
+                <a:solidFill>
+                  <a:srgbClr val="C0504D"/>
                 </a:solidFill>
               </a:rPr>
               <a:t>Requirements</a:t>
             </a:r>
-            <a:endParaRPr dirty="0"/>
+            <a:endParaRPr b="1" dirty="0">
+              <a:solidFill>
+                <a:srgbClr val="C0504D"/>
+              </a:solidFill>
+            </a:endParaRPr>
           </a:p>
           <a:p>
             <a:pPr marL="342900" marR="0" lvl="0" indent="-342900" algn="just" rtl="0">
@@ -13361,14 +13333,14 @@
       </p:sp>
       <p:sp>
         <p:nvSpPr>
-          <p:cNvPr id="98" name="Google Shape;98;p1"/>
+          <p:cNvPr id="99" name="Google Shape;99;p1"/>
           <p:cNvSpPr txBox="1"/>
           <p:nvPr/>
         </p:nvSpPr>
         <p:spPr>
           <a:xfrm>
-            <a:off x="11158185" y="3083778"/>
-            <a:ext cx="32064198" cy="954107"/>
+            <a:off x="13881605" y="23258169"/>
+            <a:ext cx="14388293" cy="7478930"/>
           </a:xfrm>
           <a:prstGeom prst="rect">
             <a:avLst/>
@@ -13390,151 +13362,7 @@
           </a:bodyPr>
           <a:lstStyle/>
           <a:p>
-            <a:pPr marL="0" marR="0" lvl="0" indent="0" rtl="0">
-              <a:spcBef>
-                <a:spcPts val="0"/>
-              </a:spcBef>
-              <a:spcAft>
-                <a:spcPts val="0"/>
-              </a:spcAft>
-              <a:buNone/>
-            </a:pPr>
-            <a:r>
-              <a:rPr lang="en-US" sz="3200" dirty="0">
-                <a:solidFill>
-                  <a:srgbClr val="0070C0"/>
-                </a:solidFill>
-                <a:latin typeface="Arial"/>
-                <a:ea typeface="Arial"/>
-                <a:cs typeface="Arial"/>
-                <a:sym typeface="Arial"/>
-              </a:rPr>
-              <a:t>                           				 </a:t>
-            </a:r>
-            <a:r>
-              <a:rPr lang="en-US" sz="3200" dirty="0">
-                <a:solidFill>
-                  <a:srgbClr val="0070C0"/>
-                </a:solidFill>
-              </a:rPr>
-              <a:t>Equipment</a:t>
-            </a:r>
-            <a:r>
-              <a:rPr lang="en-US" sz="3200" dirty="0">
-                <a:solidFill>
-                  <a:srgbClr val="0070C0"/>
-                </a:solidFill>
-                <a:latin typeface="Arial"/>
-                <a:ea typeface="Arial"/>
-                <a:cs typeface="Arial"/>
-                <a:sym typeface="Arial"/>
-              </a:rPr>
-              <a:t>                                                	</a:t>
-            </a:r>
-            <a:r>
-              <a:rPr lang="en-US" sz="3200" dirty="0">
-                <a:solidFill>
-                  <a:srgbClr val="0070C0"/>
-                </a:solidFill>
-              </a:rPr>
-              <a:t>									</a:t>
-            </a:r>
-            <a:r>
-              <a:rPr lang="en-US" sz="3200" dirty="0">
-                <a:solidFill>
-                  <a:srgbClr val="0070C0"/>
-                </a:solidFill>
-                <a:latin typeface="Arial"/>
-                <a:ea typeface="Arial"/>
-                <a:cs typeface="Arial"/>
-                <a:sym typeface="Arial"/>
-              </a:rPr>
-              <a:t>Android App</a:t>
-            </a:r>
-            <a:endParaRPr dirty="0"/>
-          </a:p>
-          <a:p>
-            <a:pPr marL="0" marR="0" lvl="0" indent="0" algn="l" rtl="0">
-              <a:spcBef>
-                <a:spcPts val="0"/>
-              </a:spcBef>
-              <a:spcAft>
-                <a:spcPts val="0"/>
-              </a:spcAft>
-              <a:buNone/>
-            </a:pPr>
-            <a:r>
-              <a:rPr lang="en-US" sz="2400" dirty="0">
-                <a:solidFill>
-                  <a:schemeClr val="dk1"/>
-                </a:solidFill>
-                <a:latin typeface="Arial"/>
-                <a:ea typeface="Arial"/>
-                <a:cs typeface="Arial"/>
-                <a:sym typeface="Arial"/>
-              </a:rPr>
-              <a:t>  </a:t>
-            </a:r>
-            <a:endParaRPr dirty="0"/>
-          </a:p>
-        </p:txBody>
-      </p:sp>
-      <p:sp>
-        <p:nvSpPr>
-          <p:cNvPr id="99" name="Google Shape;99;p1"/>
-          <p:cNvSpPr txBox="1"/>
-          <p:nvPr/>
-        </p:nvSpPr>
-        <p:spPr>
-          <a:xfrm>
-            <a:off x="11277600" y="19583400"/>
-            <a:ext cx="14940903" cy="7540485"/>
-          </a:xfrm>
-          <a:prstGeom prst="rect">
-            <a:avLst/>
-          </a:prstGeom>
-          <a:noFill/>
-          <a:ln w="9525" cap="flat" cmpd="sng">
-            <a:solidFill>
-              <a:srgbClr val="395E89"/>
-            </a:solidFill>
-            <a:prstDash val="solid"/>
-            <a:round/>
-            <a:headEnd type="none" w="sm" len="sm"/>
-            <a:tailEnd type="none" w="sm" len="sm"/>
-          </a:ln>
-        </p:spPr>
-        <p:txBody>
-          <a:bodyPr spcFirstLastPara="1" wrap="square" lIns="91425" tIns="45700" rIns="91425" bIns="45700" anchor="t" anchorCtr="0">
-            <a:spAutoFit/>
-          </a:bodyPr>
-          <a:lstStyle/>
-          <a:p>
-            <a:pPr marL="0" marR="0" lvl="0" indent="0" algn="l" rtl="0">
-              <a:spcBef>
-                <a:spcPts val="0"/>
-              </a:spcBef>
-              <a:spcAft>
-                <a:spcPts val="0"/>
-              </a:spcAft>
-              <a:buNone/>
-            </a:pPr>
-            <a:r>
-              <a:rPr lang="en-US" sz="3600" dirty="0">
-                <a:solidFill>
-                  <a:srgbClr val="0070C0"/>
-                </a:solidFill>
-                <a:latin typeface="Arial"/>
-                <a:ea typeface="Arial"/>
-                <a:cs typeface="Arial"/>
-                <a:sym typeface="Arial"/>
-              </a:rPr>
-              <a:t>Reader and Antenna Connection</a:t>
-            </a:r>
-            <a:endParaRPr lang="en-US" sz="1600" dirty="0"/>
-          </a:p>
-          <a:p>
-            <a:pPr marL="457200" marR="0" lvl="0" indent="-457200" algn="l" rtl="0">
+            <a:pPr marL="457200" marR="0" lvl="0" indent="-457200" rtl="0">
               <a:spcBef>
                 <a:spcPts val="0"/>
               </a:spcBef>
@@ -13631,41 +13459,12 @@
           </a:p>
         </p:txBody>
       </p:sp>
-      <p:cxnSp>
-        <p:nvCxnSpPr>
-          <p:cNvPr id="133" name="Google Shape;133;p1"/>
-          <p:cNvCxnSpPr>
-            <a:cxnSpLocks/>
-            <a:stCxn id="98" idx="0"/>
-          </p:cNvCxnSpPr>
-          <p:nvPr/>
-        </p:nvCxnSpPr>
-        <p:spPr>
-          <a:xfrm>
-            <a:off x="27190284" y="3083778"/>
-            <a:ext cx="18840" cy="29072622"/>
-          </a:xfrm>
-          <a:prstGeom prst="straightConnector1">
-            <a:avLst/>
-          </a:prstGeom>
-          <a:noFill/>
-          <a:ln w="15875" cap="flat" cmpd="dbl">
-            <a:solidFill>
-              <a:schemeClr val="dk1"/>
-            </a:solidFill>
-            <a:prstDash val="lgDash"/>
-            <a:round/>
-            <a:headEnd type="none" w="sm" len="sm"/>
-            <a:tailEnd type="none" w="sm" len="sm"/>
-          </a:ln>
-        </p:spPr>
-      </p:cxnSp>
       <p:pic>
         <p:nvPicPr>
-          <p:cNvPr id="3" name="Picture 2" descr="A logo for a parking service&#10;&#10;Description automatically generated">
+          <p:cNvPr id="5" name="Picture 4" descr="A black box with red text&#10;&#10;Description automatically generated">
             <a:extLst>
               <a:ext uri="{FF2B5EF4-FFF2-40B4-BE49-F238E27FC236}">
-                <a16:creationId xmlns:a16="http://schemas.microsoft.com/office/drawing/2014/main" id="{348F75E0-AF9D-ED89-691C-5A0E511BA670}"/>
+                <a16:creationId xmlns:a16="http://schemas.microsoft.com/office/drawing/2014/main" id="{8BEBAA3B-9979-B994-1A23-D4B2BA6453AD}"/>
               </a:ext>
             </a:extLst>
           </p:cNvPr>
@@ -13682,37 +13481,7 @@
         </p:blipFill>
         <p:spPr>
           <a:xfrm>
-            <a:off x="3790155" y="47604"/>
-            <a:ext cx="3067845" cy="3067845"/>
-          </a:xfrm>
-          <a:prstGeom prst="rect">
-            <a:avLst/>
-          </a:prstGeom>
-        </p:spPr>
-      </p:pic>
-      <p:pic>
-        <p:nvPicPr>
-          <p:cNvPr id="5" name="Picture 4" descr="A black box with red text&#10;&#10;Description automatically generated">
-            <a:extLst>
-              <a:ext uri="{FF2B5EF4-FFF2-40B4-BE49-F238E27FC236}">
-                <a16:creationId xmlns:a16="http://schemas.microsoft.com/office/drawing/2014/main" id="{8BEBAA3B-9979-B994-1A23-D4B2BA6453AD}"/>
-              </a:ext>
-            </a:extLst>
-          </p:cNvPr>
-          <p:cNvPicPr>
-            <a:picLocks noChangeAspect="1"/>
-          </p:cNvPicPr>
-          <p:nvPr/>
-        </p:nvPicPr>
-        <p:blipFill>
-          <a:blip r:embed="rId5"/>
-          <a:stretch>
-            <a:fillRect/>
-          </a:stretch>
-        </p:blipFill>
-        <p:spPr>
-          <a:xfrm>
-            <a:off x="11239140" y="4094718"/>
+            <a:off x="14771208" y="3963581"/>
             <a:ext cx="7864036" cy="7864036"/>
           </a:xfrm>
           <a:prstGeom prst="rect">
@@ -13735,14 +13504,14 @@
           <p:nvPr/>
         </p:nvPicPr>
         <p:blipFill>
-          <a:blip r:embed="rId6"/>
+          <a:blip r:embed="rId5"/>
           <a:stretch>
             <a:fillRect/>
           </a:stretch>
         </p:blipFill>
         <p:spPr>
           <a:xfrm>
-            <a:off x="11887470" y="12606304"/>
+            <a:off x="15793438" y="12159353"/>
             <a:ext cx="6329546" cy="6329546"/>
           </a:xfrm>
           <a:prstGeom prst="rect">
@@ -13764,7 +13533,7 @@
         </p:nvSpPr>
         <p:spPr>
           <a:xfrm>
-            <a:off x="20857353" y="7734348"/>
+            <a:off x="24299970" y="6916121"/>
             <a:ext cx="3029997" cy="1077218"/>
           </a:xfrm>
           <a:prstGeom prst="rect">
@@ -13805,7 +13574,7 @@
         </p:nvSpPr>
         <p:spPr>
           <a:xfrm>
-            <a:off x="20857353" y="14809719"/>
+            <a:off x="24299970" y="14760371"/>
             <a:ext cx="3555782" cy="1569660"/>
           </a:xfrm>
           <a:prstGeom prst="rect">
@@ -13853,8 +13622,8 @@
         </p:nvSpPr>
         <p:spPr>
           <a:xfrm>
-            <a:off x="27670790" y="19583400"/>
-            <a:ext cx="14940903" cy="10987583"/>
+            <a:off x="28801263" y="19583400"/>
+            <a:ext cx="13533773" cy="11418470"/>
           </a:xfrm>
           <a:prstGeom prst="rect">
             <a:avLst/>
@@ -13875,30 +13644,6 @@
             <a:spAutoFit/>
           </a:bodyPr>
           <a:lstStyle/>
-          <a:p>
-            <a:pPr marL="0" marR="0" lvl="0" indent="0" algn="l" rtl="0">
-              <a:spcBef>
-                <a:spcPts val="0"/>
-              </a:spcBef>
-              <a:spcAft>
-                <a:spcPts val="0"/>
-              </a:spcAft>
-              <a:buNone/>
-            </a:pPr>
-            <a:r>
-              <a:rPr lang="en-US" sz="3600" dirty="0">
-                <a:solidFill>
-                  <a:srgbClr val="0070C0"/>
-                </a:solidFill>
-                <a:latin typeface="Arial"/>
-                <a:ea typeface="Arial"/>
-                <a:cs typeface="Arial"/>
-                <a:sym typeface="Arial"/>
-              </a:rPr>
-              <a:t>Alien P.R.O.B.E. App</a:t>
-            </a:r>
-            <a:endParaRPr lang="en-US" sz="1600" dirty="0"/>
-          </a:p>
           <a:p>
             <a:pPr marL="457200" marR="0" lvl="0" indent="-457200" algn="l" rtl="0">
               <a:spcBef>
@@ -14029,6 +13774,477 @@
               <a:rPr lang="en-US" sz="3200" dirty="0"/>
               <a:t>Insert Images of app UI Menus</a:t>
             </a:r>
+          </a:p>
+        </p:txBody>
+      </p:sp>
+      <p:sp>
+        <p:nvSpPr>
+          <p:cNvPr id="2" name="Google Shape;97;p1">
+            <a:extLst>
+              <a:ext uri="{FF2B5EF4-FFF2-40B4-BE49-F238E27FC236}">
+                <a16:creationId xmlns:a16="http://schemas.microsoft.com/office/drawing/2014/main" id="{C99E646E-8601-0FBA-E2B8-6953E386801F}"/>
+              </a:ext>
+            </a:extLst>
+          </p:cNvPr>
+          <p:cNvSpPr txBox="1">
+            <a:spLocks/>
+          </p:cNvSpPr>
+          <p:nvPr/>
+        </p:nvSpPr>
+        <p:spPr>
+          <a:xfrm>
+            <a:off x="1473633" y="4527505"/>
+            <a:ext cx="10806414" cy="13880683"/>
+          </a:xfrm>
+          <a:prstGeom prst="rect">
+            <a:avLst/>
+          </a:prstGeom>
+          <a:noFill/>
+          <a:ln w="9525" cap="flat" cmpd="sng">
+            <a:solidFill>
+              <a:srgbClr val="395E89"/>
+            </a:solidFill>
+            <a:prstDash val="solid"/>
+            <a:round/>
+            <a:headEnd type="none" w="sm" len="sm"/>
+            <a:tailEnd type="none" w="sm" len="sm"/>
+          </a:ln>
+        </p:spPr>
+        <p:txBody>
+          <a:bodyPr spcFirstLastPara="1" wrap="square" lIns="91425" tIns="45700" rIns="91425" bIns="45700" anchor="t" anchorCtr="0">
+            <a:spAutoFit/>
+          </a:bodyPr>
+          <a:lstStyle/>
+          <a:p>
+            <a:pPr marL="342900" marR="0" lvl="0" indent="-342900" algn="just" rtl="0">
+              <a:spcBef>
+                <a:spcPts val="0"/>
+              </a:spcBef>
+              <a:spcAft>
+                <a:spcPts val="0"/>
+              </a:spcAft>
+              <a:buClr>
+                <a:schemeClr val="dk1"/>
+              </a:buClr>
+              <a:buSzPts val="2400"/>
+              <a:buFont typeface="Arial"/>
+              <a:buChar char="•"/>
+            </a:pPr>
+            <a:r>
+              <a:rPr lang="en-US" sz="3200" dirty="0"/>
+              <a:t>This project introduces a mobile application that utilizes RFID technology to optimize parking management at WKU Parking and Transportation Services (WKU PTS). The "Alien P.R.O.B.E." mobile application aims to automate parking verification processes, enhancing operational efficiency and user experience for WKU Parking and Transportation workers. Utilizing an Alien F800 RFID reader and ALR-8698 RFID antenna, the mobile app's backend system scans parking permits' RFID. tags. Our app will then cross-reference the RFID tags with WKU's servers to check permissions and verify the tags. Our goal for this app is to reduce manual verification time and address unauthorized parking issues that the WKU PTS employees encounter. By automating these processes, the project will streamline operations and improve overall parking experiences for users and Transportation service employees. The primary audience comprises WKU parking management teams, with the Senior Information Technology Consultant at WKU Parking and Transportation Services as the client. This project employs a systematic approach, emphasizing clear documentation, client engagement, and RFID technology application. The development follows distinct phases aligned with a modified waterfall model, ensuring adaptability and continuous improvement. The system offers a scalable, secure, and efficient solution for parking resource management at WKU.</a:t>
+            </a:r>
+            <a:endParaRPr sz="3200" dirty="0"/>
+          </a:p>
+        </p:txBody>
+      </p:sp>
+      <p:sp>
+        <p:nvSpPr>
+          <p:cNvPr id="9" name="Alternate Process 8">
+            <a:extLst>
+              <a:ext uri="{FF2B5EF4-FFF2-40B4-BE49-F238E27FC236}">
+                <a16:creationId xmlns:a16="http://schemas.microsoft.com/office/drawing/2014/main" id="{75A5996D-1FAB-6D5D-DDC9-14EAC5E931E7}"/>
+              </a:ext>
+            </a:extLst>
+          </p:cNvPr>
+          <p:cNvSpPr/>
+          <p:nvPr/>
+        </p:nvSpPr>
+        <p:spPr>
+          <a:xfrm>
+            <a:off x="1473633" y="3000217"/>
+            <a:ext cx="10768734" cy="1066084"/>
+          </a:xfrm>
+          <a:prstGeom prst="flowChartAlternateProcess">
+            <a:avLst/>
+          </a:prstGeom>
+          <a:solidFill>
+            <a:srgbClr val="C0504D"/>
+          </a:solidFill>
+        </p:spPr>
+        <p:style>
+          <a:lnRef idx="2">
+            <a:schemeClr val="accent1">
+              <a:shade val="15000"/>
+            </a:schemeClr>
+          </a:lnRef>
+          <a:fillRef idx="1">
+            <a:schemeClr val="accent1"/>
+          </a:fillRef>
+          <a:effectRef idx="0">
+            <a:schemeClr val="accent1"/>
+          </a:effectRef>
+          <a:fontRef idx="minor">
+            <a:schemeClr val="lt1"/>
+          </a:fontRef>
+        </p:style>
+        <p:txBody>
+          <a:bodyPr rtlCol="0" anchor="ctr"/>
+          <a:lstStyle/>
+          <a:p>
+            <a:pPr algn="ctr"/>
+            <a:r>
+              <a:rPr lang="en-US" sz="4400" b="1" dirty="0">
+                <a:solidFill>
+                  <a:schemeClr val="bg1"/>
+                </a:solidFill>
+                <a:latin typeface="Arial"/>
+                <a:ea typeface="Arial"/>
+                <a:cs typeface="Arial"/>
+                <a:sym typeface="Arial"/>
+              </a:rPr>
+              <a:t>Abstract</a:t>
+            </a:r>
+          </a:p>
+          <a:p>
+            <a:pPr algn="ctr"/>
+            <a:endParaRPr lang="en-US" dirty="0"/>
+          </a:p>
+        </p:txBody>
+      </p:sp>
+      <p:sp>
+        <p:nvSpPr>
+          <p:cNvPr id="12" name="Alternate Process 11">
+            <a:extLst>
+              <a:ext uri="{FF2B5EF4-FFF2-40B4-BE49-F238E27FC236}">
+                <a16:creationId xmlns:a16="http://schemas.microsoft.com/office/drawing/2014/main" id="{4653C863-BA73-3814-E0AB-A49C2A0A514B}"/>
+              </a:ext>
+            </a:extLst>
+          </p:cNvPr>
+          <p:cNvSpPr/>
+          <p:nvPr/>
+        </p:nvSpPr>
+        <p:spPr>
+          <a:xfrm>
+            <a:off x="16561233" y="2897497"/>
+            <a:ext cx="10768734" cy="1066084"/>
+          </a:xfrm>
+          <a:prstGeom prst="flowChartAlternateProcess">
+            <a:avLst/>
+          </a:prstGeom>
+          <a:solidFill>
+            <a:srgbClr val="C0504D"/>
+          </a:solidFill>
+        </p:spPr>
+        <p:style>
+          <a:lnRef idx="2">
+            <a:schemeClr val="accent1">
+              <a:shade val="15000"/>
+            </a:schemeClr>
+          </a:lnRef>
+          <a:fillRef idx="1">
+            <a:schemeClr val="accent1"/>
+          </a:fillRef>
+          <a:effectRef idx="0">
+            <a:schemeClr val="accent1"/>
+          </a:effectRef>
+          <a:fontRef idx="minor">
+            <a:schemeClr val="lt1"/>
+          </a:fontRef>
+        </p:style>
+        <p:txBody>
+          <a:bodyPr rtlCol="0" anchor="ctr"/>
+          <a:lstStyle/>
+          <a:p>
+            <a:pPr algn="ctr"/>
+            <a:r>
+              <a:rPr lang="en-US" sz="4400" b="1" dirty="0">
+                <a:solidFill>
+                  <a:schemeClr val="bg1"/>
+                </a:solidFill>
+                <a:latin typeface="Arial"/>
+                <a:ea typeface="Arial"/>
+                <a:cs typeface="Arial"/>
+                <a:sym typeface="Arial"/>
+              </a:rPr>
+              <a:t>Equipment</a:t>
+            </a:r>
+          </a:p>
+          <a:p>
+            <a:pPr algn="ctr"/>
+            <a:endParaRPr lang="en-US" dirty="0"/>
+          </a:p>
+        </p:txBody>
+      </p:sp>
+      <p:sp>
+        <p:nvSpPr>
+          <p:cNvPr id="13" name="Alternate Process 12">
+            <a:extLst>
+              <a:ext uri="{FF2B5EF4-FFF2-40B4-BE49-F238E27FC236}">
+                <a16:creationId xmlns:a16="http://schemas.microsoft.com/office/drawing/2014/main" id="{EFCE506D-608A-1B34-9FF1-5601DF23C456}"/>
+              </a:ext>
+            </a:extLst>
+          </p:cNvPr>
+          <p:cNvSpPr/>
+          <p:nvPr/>
+        </p:nvSpPr>
+        <p:spPr>
+          <a:xfrm>
+            <a:off x="30120336" y="2897497"/>
+            <a:ext cx="10768734" cy="1066084"/>
+          </a:xfrm>
+          <a:prstGeom prst="flowChartAlternateProcess">
+            <a:avLst/>
+          </a:prstGeom>
+          <a:solidFill>
+            <a:srgbClr val="C0504D"/>
+          </a:solidFill>
+        </p:spPr>
+        <p:style>
+          <a:lnRef idx="2">
+            <a:schemeClr val="accent1">
+              <a:shade val="15000"/>
+            </a:schemeClr>
+          </a:lnRef>
+          <a:fillRef idx="1">
+            <a:schemeClr val="accent1"/>
+          </a:fillRef>
+          <a:effectRef idx="0">
+            <a:schemeClr val="accent1"/>
+          </a:effectRef>
+          <a:fontRef idx="minor">
+            <a:schemeClr val="lt1"/>
+          </a:fontRef>
+        </p:style>
+        <p:txBody>
+          <a:bodyPr rtlCol="0" anchor="ctr"/>
+          <a:lstStyle/>
+          <a:p>
+            <a:pPr algn="ctr"/>
+            <a:r>
+              <a:rPr lang="en-US" sz="4400" b="1" dirty="0">
+                <a:solidFill>
+                  <a:schemeClr val="bg1"/>
+                </a:solidFill>
+                <a:latin typeface="Arial"/>
+                <a:ea typeface="Arial"/>
+                <a:cs typeface="Arial"/>
+                <a:sym typeface="Arial"/>
+              </a:rPr>
+              <a:t>App</a:t>
+            </a:r>
+          </a:p>
+          <a:p>
+            <a:pPr algn="ctr"/>
+            <a:endParaRPr lang="en-US" dirty="0"/>
+          </a:p>
+        </p:txBody>
+      </p:sp>
+      <p:sp>
+        <p:nvSpPr>
+          <p:cNvPr id="14" name="Alternate Process 13">
+            <a:extLst>
+              <a:ext uri="{FF2B5EF4-FFF2-40B4-BE49-F238E27FC236}">
+                <a16:creationId xmlns:a16="http://schemas.microsoft.com/office/drawing/2014/main" id="{B6153CF8-E88D-9FC9-A9CC-EF7F093926FA}"/>
+              </a:ext>
+            </a:extLst>
+          </p:cNvPr>
+          <p:cNvSpPr/>
+          <p:nvPr/>
+        </p:nvSpPr>
+        <p:spPr>
+          <a:xfrm>
+            <a:off x="1435953" y="18714849"/>
+            <a:ext cx="10768734" cy="1066084"/>
+          </a:xfrm>
+          <a:prstGeom prst="flowChartAlternateProcess">
+            <a:avLst/>
+          </a:prstGeom>
+          <a:solidFill>
+            <a:srgbClr val="C0504D"/>
+          </a:solidFill>
+        </p:spPr>
+        <p:style>
+          <a:lnRef idx="2">
+            <a:schemeClr val="accent1">
+              <a:shade val="15000"/>
+            </a:schemeClr>
+          </a:lnRef>
+          <a:fillRef idx="1">
+            <a:schemeClr val="accent1"/>
+          </a:fillRef>
+          <a:effectRef idx="0">
+            <a:schemeClr val="accent1"/>
+          </a:effectRef>
+          <a:fontRef idx="minor">
+            <a:schemeClr val="lt1"/>
+          </a:fontRef>
+        </p:style>
+        <p:txBody>
+          <a:bodyPr rtlCol="0" anchor="ctr"/>
+          <a:lstStyle/>
+          <a:p>
+            <a:pPr algn="ctr"/>
+            <a:r>
+              <a:rPr lang="en-US" sz="4400" b="1" dirty="0">
+                <a:solidFill>
+                  <a:schemeClr val="bg1"/>
+                </a:solidFill>
+                <a:latin typeface="Arial"/>
+                <a:ea typeface="Arial"/>
+                <a:cs typeface="Arial"/>
+                <a:sym typeface="Arial"/>
+              </a:rPr>
+              <a:t>What is this Project?</a:t>
+            </a:r>
+          </a:p>
+          <a:p>
+            <a:pPr algn="ctr"/>
+            <a:endParaRPr lang="en-US" dirty="0"/>
+          </a:p>
+        </p:txBody>
+      </p:sp>
+      <p:sp>
+        <p:nvSpPr>
+          <p:cNvPr id="15" name="Alternate Process 14">
+            <a:extLst>
+              <a:ext uri="{FF2B5EF4-FFF2-40B4-BE49-F238E27FC236}">
+                <a16:creationId xmlns:a16="http://schemas.microsoft.com/office/drawing/2014/main" id="{B5367498-4DE3-C1AE-62ED-0274E9F618FE}"/>
+              </a:ext>
+            </a:extLst>
+          </p:cNvPr>
+          <p:cNvSpPr/>
+          <p:nvPr/>
+        </p:nvSpPr>
+        <p:spPr>
+          <a:xfrm>
+            <a:off x="16393291" y="21913285"/>
+            <a:ext cx="10768734" cy="1066084"/>
+          </a:xfrm>
+          <a:prstGeom prst="flowChartAlternateProcess">
+            <a:avLst/>
+          </a:prstGeom>
+          <a:solidFill>
+            <a:srgbClr val="C0504D"/>
+          </a:solidFill>
+        </p:spPr>
+        <p:style>
+          <a:lnRef idx="2">
+            <a:schemeClr val="accent1">
+              <a:shade val="15000"/>
+            </a:schemeClr>
+          </a:lnRef>
+          <a:fillRef idx="1">
+            <a:schemeClr val="accent1"/>
+          </a:fillRef>
+          <a:effectRef idx="0">
+            <a:schemeClr val="accent1"/>
+          </a:effectRef>
+          <a:fontRef idx="minor">
+            <a:schemeClr val="lt1"/>
+          </a:fontRef>
+        </p:style>
+        <p:txBody>
+          <a:bodyPr rtlCol="0" anchor="ctr"/>
+          <a:lstStyle/>
+          <a:p>
+            <a:pPr marL="0" marR="0" lvl="0" indent="0" algn="ctr" rtl="0">
+              <a:spcBef>
+                <a:spcPts val="0"/>
+              </a:spcBef>
+              <a:spcAft>
+                <a:spcPts val="0"/>
+              </a:spcAft>
+              <a:buNone/>
+            </a:pPr>
+            <a:r>
+              <a:rPr lang="en-US" sz="4400" b="1" dirty="0">
+                <a:solidFill>
+                  <a:schemeClr val="bg1"/>
+                </a:solidFill>
+                <a:latin typeface="Arial"/>
+                <a:ea typeface="Arial"/>
+                <a:cs typeface="Arial"/>
+                <a:sym typeface="Arial"/>
+              </a:rPr>
+              <a:t>Reader and Antenna Connection</a:t>
+            </a:r>
+            <a:endParaRPr lang="en-US" sz="4400" b="1" dirty="0">
+              <a:solidFill>
+                <a:schemeClr val="bg1"/>
+              </a:solidFill>
+            </a:endParaRPr>
+          </a:p>
+          <a:p>
+            <a:pPr algn="ctr"/>
+            <a:endParaRPr lang="en-US" dirty="0"/>
+          </a:p>
+        </p:txBody>
+      </p:sp>
+      <p:sp>
+        <p:nvSpPr>
+          <p:cNvPr id="16" name="Alternate Process 15">
+            <a:extLst>
+              <a:ext uri="{FF2B5EF4-FFF2-40B4-BE49-F238E27FC236}">
+                <a16:creationId xmlns:a16="http://schemas.microsoft.com/office/drawing/2014/main" id="{C0B7502D-CAA2-1AFB-0A5F-EFA8BE7129AD}"/>
+              </a:ext>
+            </a:extLst>
+          </p:cNvPr>
+          <p:cNvSpPr/>
+          <p:nvPr/>
+        </p:nvSpPr>
+        <p:spPr>
+          <a:xfrm>
+            <a:off x="30183782" y="17917546"/>
+            <a:ext cx="10768734" cy="1066084"/>
+          </a:xfrm>
+          <a:prstGeom prst="flowChartAlternateProcess">
+            <a:avLst/>
+          </a:prstGeom>
+          <a:solidFill>
+            <a:srgbClr val="C0504D"/>
+          </a:solidFill>
+        </p:spPr>
+        <p:style>
+          <a:lnRef idx="2">
+            <a:schemeClr val="accent1">
+              <a:shade val="15000"/>
+            </a:schemeClr>
+          </a:lnRef>
+          <a:fillRef idx="1">
+            <a:schemeClr val="accent1"/>
+          </a:fillRef>
+          <a:effectRef idx="0">
+            <a:schemeClr val="accent1"/>
+          </a:effectRef>
+          <a:fontRef idx="minor">
+            <a:schemeClr val="lt1"/>
+          </a:fontRef>
+        </p:style>
+        <p:txBody>
+          <a:bodyPr rtlCol="0" anchor="ctr"/>
+          <a:lstStyle/>
+          <a:p>
+            <a:pPr marL="0" marR="0" lvl="0" indent="0" algn="ctr" rtl="0">
+              <a:spcBef>
+                <a:spcPts val="0"/>
+              </a:spcBef>
+              <a:spcAft>
+                <a:spcPts val="0"/>
+              </a:spcAft>
+              <a:buNone/>
+            </a:pPr>
+            <a:r>
+              <a:rPr lang="en-US" sz="4400" b="1" dirty="0">
+                <a:solidFill>
+                  <a:schemeClr val="bg1"/>
+                </a:solidFill>
+                <a:latin typeface="Arial"/>
+                <a:ea typeface="Arial"/>
+                <a:cs typeface="Arial"/>
+                <a:sym typeface="Arial"/>
+              </a:rPr>
+              <a:t>Alien P.R.O.B.E. App</a:t>
+            </a:r>
+            <a:endParaRPr lang="en-US" sz="4400" b="1" dirty="0">
+              <a:solidFill>
+                <a:schemeClr val="bg1"/>
+              </a:solidFill>
+            </a:endParaRPr>
+          </a:p>
+          <a:p>
+            <a:pPr algn="ctr"/>
+            <a:endParaRPr lang="en-US" dirty="0"/>
           </a:p>
         </p:txBody>
       </p:sp>

--- a/Showcase/AlienPROBEShowcasePoster.pptx
+++ b/Showcase/AlienPROBEShowcasePoster.pptx
@@ -257,7 +257,7 @@
       </p15:sldGuideLst>
     </p:ext>
     <p:ext uri="GoogleSlidesCustomDataVersion2">
-      <go:slidesCustomData xmlns:go="http://customooxmlschemas.google.com/" xmlns:ahyp="http://schemas.microsoft.com/office/drawing/2018/hyperlinkcolor" xmlns:p15="http://schemas.microsoft.com/office/powerpoint/2012/main" xmlns:p14="http://schemas.microsoft.com/office/powerpoint/2010/main" xmlns:com="http://schemas.openxmlformats.org/drawingml/2006/compatibility" xmlns:pvml="urn:schemas-microsoft-com:office:powerpoint" xmlns:v="urn:schemas-microsoft-com:vml" xmlns:o="urn:schemas-microsoft-com:office:office" xmlns:dgm="http://schemas.openxmlformats.org/drawingml/2006/diagram" xmlns:c="http://schemas.openxmlformats.org/drawingml/2006/chart" xmlns:mv="urn:schemas-microsoft-com:mac:vml" xmlns:mc="http://schemas.openxmlformats.org/markup-compatibility/2006" xmlns="" r:id="rId7" roundtripDataSignature="AMtx7miFYYJPG2C3RTdzwF0zNza9wmJGGw=="/>
+      <go:slidesCustomData xmlns="" xmlns:mc="http://schemas.openxmlformats.org/markup-compatibility/2006" xmlns:mv="urn:schemas-microsoft-com:mac:vml" xmlns:c="http://schemas.openxmlformats.org/drawingml/2006/chart" xmlns:dgm="http://schemas.openxmlformats.org/drawingml/2006/diagram" xmlns:o="urn:schemas-microsoft-com:office:office" xmlns:v="urn:schemas-microsoft-com:vml" xmlns:pvml="urn:schemas-microsoft-com:office:powerpoint" xmlns:com="http://schemas.openxmlformats.org/drawingml/2006/compatibility" xmlns:p14="http://schemas.microsoft.com/office/powerpoint/2010/main" xmlns:p15="http://schemas.microsoft.com/office/powerpoint/2012/main" xmlns:ahyp="http://schemas.microsoft.com/office/drawing/2018/hyperlinkcolor" xmlns:go="http://customooxmlschemas.google.com/" r:id="rId7" roundtripDataSignature="AMtx7miFYYJPG2C3RTdzwF0zNza9wmJGGw=="/>
     </p:ext>
   </p:extLst>
 </p:presentation>
@@ -12982,7 +12982,7 @@
         <p:spPr>
           <a:xfrm>
             <a:off x="1435953" y="19963893"/>
-            <a:ext cx="10806414" cy="12218689"/>
+            <a:ext cx="10806414" cy="10710584"/>
           </a:xfrm>
           <a:prstGeom prst="rect">
             <a:avLst/>
@@ -13030,22 +13030,6 @@
               </a:rPr>
               <a:t>This project is a team effort done in conjunction with the WKU Parking and Transportation Services for our team’s CS 496 Senior Project course.</a:t>
             </a:r>
-          </a:p>
-          <a:p>
-            <a:pPr marL="342900" marR="0" lvl="0" indent="-342900" algn="just" rtl="0">
-              <a:spcBef>
-                <a:spcPts val="0"/>
-              </a:spcBef>
-              <a:spcAft>
-                <a:spcPts val="0"/>
-              </a:spcAft>
-              <a:buClr>
-                <a:schemeClr val="dk1"/>
-              </a:buClr>
-              <a:buSzPts val="2400"/>
-              <a:buFont typeface="Arial"/>
-              <a:buChar char="•"/>
-            </a:pPr>
             <a:endParaRPr sz="2800" dirty="0">
               <a:solidFill>
                 <a:schemeClr val="dk1"/>
@@ -13131,36 +13115,6 @@
               </a:rPr>
               <a:t>, both pictured to the right.</a:t>
             </a:r>
-            <a:endParaRPr lang="en-US" sz="2800" dirty="0">
-              <a:solidFill>
-                <a:schemeClr val="dk1"/>
-              </a:solidFill>
-              <a:latin typeface="Arial"/>
-              <a:ea typeface="Arial"/>
-              <a:cs typeface="Arial"/>
-              <a:sym typeface="Arial"/>
-            </a:endParaRPr>
-          </a:p>
-          <a:p>
-            <a:pPr marL="342900" marR="0" lvl="0" indent="-342900" algn="just" rtl="0">
-              <a:spcBef>
-                <a:spcPts val="0"/>
-              </a:spcBef>
-              <a:spcAft>
-                <a:spcPts val="0"/>
-              </a:spcAft>
-              <a:buClr>
-                <a:schemeClr val="dk1"/>
-              </a:buClr>
-              <a:buSzPts val="2500"/>
-              <a:buFont typeface="Arial"/>
-              <a:buChar char="•"/>
-            </a:pPr>
-            <a:endParaRPr lang="en-US" sz="2800" dirty="0">
-              <a:solidFill>
-                <a:schemeClr val="dk1"/>
-              </a:solidFill>
-            </a:endParaRPr>
           </a:p>
           <a:p>
             <a:pPr marL="342900" marR="0" lvl="0" indent="-342900" algn="just" rtl="0">
@@ -13217,6 +13171,9 @@
               </a:rPr>
               <a:t>Requirements</a:t>
             </a:r>
+          </a:p>
+          <a:p>
+            <a:pPr lvl="1" algn="ctr"/>
             <a:endParaRPr b="1" dirty="0">
               <a:solidFill>
                 <a:srgbClr val="C0504D"/>
@@ -13260,25 +13217,6 @@
             </a:r>
           </a:p>
           <a:p>
-            <a:pPr marR="0" lvl="0" algn="just" rtl="0">
-              <a:spcBef>
-                <a:spcPts val="0"/>
-              </a:spcBef>
-              <a:spcAft>
-                <a:spcPts val="0"/>
-              </a:spcAft>
-              <a:buClr>
-                <a:schemeClr val="dk1"/>
-              </a:buClr>
-              <a:buSzPts val="2500"/>
-            </a:pPr>
-            <a:endParaRPr lang="en-US" sz="2800" dirty="0">
-              <a:solidFill>
-                <a:schemeClr val="dk1"/>
-              </a:solidFill>
-            </a:endParaRPr>
-          </a:p>
-          <a:p>
             <a:pPr marL="342900" lvl="1" indent="-342900" algn="just">
               <a:buClr>
                 <a:schemeClr val="dk1"/>
@@ -13295,21 +13233,6 @@
               </a:rPr>
               <a:t>The app requires a connection to the RFID Reader through either the network or through Bluetooth. This allows the app to retrieve the tags the RFID Reader picks up and decodes.</a:t>
             </a:r>
-          </a:p>
-          <a:p>
-            <a:pPr marL="342900" lvl="1" indent="-342900" algn="just">
-              <a:buClr>
-                <a:schemeClr val="dk1"/>
-              </a:buClr>
-              <a:buSzPts val="2500"/>
-              <a:buFont typeface="Arial"/>
-              <a:buChar char="•"/>
-            </a:pPr>
-            <a:endParaRPr lang="en-US" sz="2800" dirty="0">
-              <a:solidFill>
-                <a:schemeClr val="dk1"/>
-              </a:solidFill>
-            </a:endParaRPr>
           </a:p>
           <a:p>
             <a:pPr marL="342900" lvl="1" indent="-342900" algn="just">
@@ -13339,8 +13262,8 @@
         </p:nvSpPr>
         <p:spPr>
           <a:xfrm>
-            <a:off x="13881605" y="23258169"/>
-            <a:ext cx="14388293" cy="7478930"/>
+            <a:off x="13327668" y="19963893"/>
+            <a:ext cx="14388293" cy="11418470"/>
           </a:xfrm>
           <a:prstGeom prst="rect">
             <a:avLst/>
@@ -13455,6 +13378,70 @@
                 </a:solidFill>
               </a:rPr>
               <a:t>Once decoded, the information gathered from the tags can be sent to our Alien P.R.O.B.E. app via network or Bluetooth connection. The application stores this data and sends the information to a database along with the phone’s current GPS location. The database verifies if the permissions that belong to that RFID tag give authority to park in the current location. If unauthorized, the application alerts the user of the invalid parking.</a:t>
+            </a:r>
+          </a:p>
+          <a:p>
+            <a:pPr marL="457200" marR="0" lvl="0" indent="-457200" algn="l" rtl="0">
+              <a:spcBef>
+                <a:spcPts val="0"/>
+              </a:spcBef>
+              <a:spcAft>
+                <a:spcPts val="0"/>
+              </a:spcAft>
+              <a:buClr>
+                <a:schemeClr val="dk1"/>
+              </a:buClr>
+              <a:buSzPts val="2800"/>
+              <a:buFont typeface="Arial"/>
+              <a:buChar char="•"/>
+            </a:pPr>
+            <a:r>
+              <a:rPr lang="en-US" sz="3200" dirty="0">
+                <a:solidFill>
+                  <a:schemeClr val="dk1"/>
+                </a:solidFill>
+              </a:rPr>
+              <a:t>The app also maintains an internal database of the scanned tags for the user to view later, storing the tag info, the GPS coordinates when the tag was scanned, as well as the time when the tag was scanned. </a:t>
+            </a:r>
+            <a:r>
+              <a:rPr lang="en-US" sz="3200" dirty="0" err="1">
+                <a:solidFill>
+                  <a:schemeClr val="dk1"/>
+                </a:solidFill>
+              </a:rPr>
+              <a:t>Thi</a:t>
+            </a:r>
+            <a:r>
+              <a:rPr lang="en-US" sz="3200" dirty="0">
+                <a:solidFill>
+                  <a:schemeClr val="dk1"/>
+                </a:solidFill>
+              </a:rPr>
+              <a:t> allows the user to have a reference to determine the validity of the car’s parking permissions in a way that can be called back to.</a:t>
+            </a:r>
+          </a:p>
+          <a:p>
+            <a:pPr marL="457200" marR="0" lvl="0" indent="-457200" algn="l" rtl="0">
+              <a:spcBef>
+                <a:spcPts val="0"/>
+              </a:spcBef>
+              <a:spcAft>
+                <a:spcPts val="0"/>
+              </a:spcAft>
+              <a:buClr>
+                <a:schemeClr val="dk1"/>
+              </a:buClr>
+              <a:buSzPts val="2800"/>
+              <a:buFont typeface="Arial"/>
+              <a:buChar char="•"/>
+            </a:pPr>
+            <a:r>
+              <a:rPr lang="en-US" sz="3200" dirty="0">
+                <a:solidFill>
+                  <a:schemeClr val="dk1"/>
+                </a:solidFill>
+              </a:rPr>
+              <a:t>The WKU Parking and Transportation Services team has a van with the antennae mounted on the sides, allowing for continuous scanning while driving through the parking zones.</a:t>
             </a:r>
           </a:p>
         </p:txBody>
@@ -13481,7 +13468,7 @@
         </p:blipFill>
         <p:spPr>
           <a:xfrm>
-            <a:off x="14771208" y="3963581"/>
+            <a:off x="14188021" y="3504450"/>
             <a:ext cx="7864036" cy="7864036"/>
           </a:xfrm>
           <a:prstGeom prst="rect">
@@ -13511,7 +13498,7 @@
         </p:blipFill>
         <p:spPr>
           <a:xfrm>
-            <a:off x="15793438" y="12159353"/>
+            <a:off x="14808888" y="10825759"/>
             <a:ext cx="6329546" cy="6329546"/>
           </a:xfrm>
           <a:prstGeom prst="rect">
@@ -13622,7 +13609,7 @@
         </p:nvSpPr>
         <p:spPr>
           <a:xfrm>
-            <a:off x="28801263" y="19583400"/>
+            <a:off x="28801262" y="19958572"/>
             <a:ext cx="13533773" cy="11418470"/>
           </a:xfrm>
           <a:prstGeom prst="rect">
@@ -13916,7 +13903,7 @@
         </p:nvSpPr>
         <p:spPr>
           <a:xfrm>
-            <a:off x="16561233" y="2897497"/>
+            <a:off x="15118607" y="2897497"/>
             <a:ext cx="10768734" cy="1066084"/>
           </a:xfrm>
           <a:prstGeom prst="flowChartAlternateProcess">
@@ -13980,7 +13967,7 @@
         </p:nvSpPr>
         <p:spPr>
           <a:xfrm>
-            <a:off x="30120336" y="2897497"/>
+            <a:off x="30183782" y="2897497"/>
             <a:ext cx="10768734" cy="1066084"/>
           </a:xfrm>
           <a:prstGeom prst="flowChartAlternateProcess">
@@ -14108,7 +14095,7 @@
         </p:nvSpPr>
         <p:spPr>
           <a:xfrm>
-            <a:off x="16393291" y="21913285"/>
+            <a:off x="15118607" y="18689795"/>
             <a:ext cx="10768734" cy="1066084"/>
           </a:xfrm>
           <a:prstGeom prst="flowChartAlternateProcess">
@@ -14185,7 +14172,7 @@
         </p:nvSpPr>
         <p:spPr>
           <a:xfrm>
-            <a:off x="30183782" y="17917546"/>
+            <a:off x="30183781" y="18689795"/>
             <a:ext cx="10768734" cy="1066084"/>
           </a:xfrm>
           <a:prstGeom prst="flowChartAlternateProcess">

--- a/Showcase/AlienPROBEShowcasePoster.pptx
+++ b/Showcase/AlienPROBEShowcasePoster.pptx
@@ -12635,7 +12635,7 @@
         </p:nvSpPr>
         <p:spPr>
           <a:xfrm>
-            <a:off x="0" y="53949"/>
+            <a:off x="-167942" y="102135"/>
             <a:ext cx="43891200" cy="898071"/>
           </a:xfrm>
           <a:prstGeom prst="rect">
@@ -12662,14 +12662,14 @@
               <a:buNone/>
             </a:pPr>
             <a:r>
-              <a:rPr lang="en-US" sz="5400" b="1" dirty="0">
+              <a:rPr lang="en-US" sz="6000" b="1" dirty="0">
                 <a:solidFill>
                   <a:srgbClr val="C0504D"/>
                 </a:solidFill>
               </a:rPr>
               <a:t>Alien P.R.O.B.E RFID Reader/Scanner App</a:t>
             </a:r>
-            <a:endParaRPr sz="5400" b="1" dirty="0">
+            <a:endParaRPr sz="6000" b="1" dirty="0">
               <a:solidFill>
                 <a:srgbClr val="C0504D"/>
               </a:solidFill>
@@ -12897,7 +12897,7 @@
         </p:nvSpPr>
         <p:spPr>
           <a:xfrm>
-            <a:off x="332932" y="769338"/>
+            <a:off x="332932" y="1347113"/>
             <a:ext cx="42889452" cy="1796143"/>
           </a:xfrm>
           <a:prstGeom prst="rect">
@@ -12981,8 +12981,8 @@
         </p:nvSpPr>
         <p:spPr>
           <a:xfrm>
-            <a:off x="1435953" y="19963893"/>
-            <a:ext cx="10806414" cy="10710584"/>
+            <a:off x="1435953" y="19958572"/>
+            <a:ext cx="10806414" cy="11572358"/>
           </a:xfrm>
           <a:prstGeom prst="rect">
             <a:avLst/>
@@ -13139,6 +13139,43 @@
               </a:rPr>
               <a:t>WKU Parking and Transportation Services plan to use this app to scan a vehicles’ RFID parking tag, and then determine if that tag is on the correct vehicle and in the correct parking lot based on the GPS location. This is all done within the app, through its connection with databases and the RFID equipment. </a:t>
             </a:r>
+          </a:p>
+          <a:p>
+            <a:pPr marL="342900" marR="0" lvl="0" indent="-342900" algn="just" rtl="0">
+              <a:spcBef>
+                <a:spcPts val="0"/>
+              </a:spcBef>
+              <a:spcAft>
+                <a:spcPts val="0"/>
+              </a:spcAft>
+              <a:buClr>
+                <a:schemeClr val="dk1"/>
+              </a:buClr>
+              <a:buSzPts val="2500"/>
+              <a:buFont typeface="Arial"/>
+              <a:buChar char="•"/>
+            </a:pPr>
+            <a:endParaRPr lang="en-US" sz="2800" dirty="0">
+              <a:solidFill>
+                <a:schemeClr val="dk1"/>
+              </a:solidFill>
+            </a:endParaRPr>
+          </a:p>
+          <a:p>
+            <a:pPr marL="342900" marR="0" lvl="0" indent="-342900" algn="just" rtl="0">
+              <a:spcBef>
+                <a:spcPts val="0"/>
+              </a:spcBef>
+              <a:spcAft>
+                <a:spcPts val="0"/>
+              </a:spcAft>
+              <a:buClr>
+                <a:schemeClr val="dk1"/>
+              </a:buClr>
+              <a:buSzPts val="2500"/>
+              <a:buFont typeface="Arial"/>
+              <a:buChar char="•"/>
+            </a:pPr>
             <a:endParaRPr sz="2800" dirty="0"/>
           </a:p>
           <a:p>
@@ -13470,36 +13507,6 @@
           <a:xfrm>
             <a:off x="14188021" y="3504450"/>
             <a:ext cx="7864036" cy="7864036"/>
-          </a:xfrm>
-          <a:prstGeom prst="rect">
-            <a:avLst/>
-          </a:prstGeom>
-        </p:spPr>
-      </p:pic>
-      <p:pic>
-        <p:nvPicPr>
-          <p:cNvPr id="7" name="Picture 6" descr="A white square object with a logo&#10;&#10;Description automatically generated">
-            <a:extLst>
-              <a:ext uri="{FF2B5EF4-FFF2-40B4-BE49-F238E27FC236}">
-                <a16:creationId xmlns:a16="http://schemas.microsoft.com/office/drawing/2014/main" id="{92767151-CED3-AD9C-D450-7783D031EDF6}"/>
-              </a:ext>
-            </a:extLst>
-          </p:cNvPr>
-          <p:cNvPicPr>
-            <a:picLocks noChangeAspect="1"/>
-          </p:cNvPicPr>
-          <p:nvPr/>
-        </p:nvPicPr>
-        <p:blipFill>
-          <a:blip r:embed="rId5"/>
-          <a:stretch>
-            <a:fillRect/>
-          </a:stretch>
-        </p:blipFill>
-        <p:spPr>
-          <a:xfrm>
-            <a:off x="14808888" y="10825759"/>
-            <a:ext cx="6329546" cy="6329546"/>
           </a:xfrm>
           <a:prstGeom prst="rect">
             <a:avLst/>
@@ -13731,41 +13738,6 @@
       </p:sp>
       <p:sp>
         <p:nvSpPr>
-          <p:cNvPr id="11" name="TextBox 10">
-            <a:extLst>
-              <a:ext uri="{FF2B5EF4-FFF2-40B4-BE49-F238E27FC236}">
-                <a16:creationId xmlns:a16="http://schemas.microsoft.com/office/drawing/2014/main" id="{CEFC2C88-7C2B-1C15-8CD9-BB6E53970077}"/>
-              </a:ext>
-            </a:extLst>
-          </p:cNvPr>
-          <p:cNvSpPr txBox="1"/>
-          <p:nvPr/>
-        </p:nvSpPr>
-        <p:spPr>
-          <a:xfrm>
-            <a:off x="32675372" y="11062343"/>
-            <a:ext cx="5785558" cy="584775"/>
-          </a:xfrm>
-          <a:prstGeom prst="rect">
-            <a:avLst/>
-          </a:prstGeom>
-          <a:noFill/>
-        </p:spPr>
-        <p:txBody>
-          <a:bodyPr wrap="none" rtlCol="0">
-            <a:spAutoFit/>
-          </a:bodyPr>
-          <a:lstStyle/>
-          <a:p>
-            <a:r>
-              <a:rPr lang="en-US" sz="3200" dirty="0"/>
-              <a:t>Insert Images of app UI Menus</a:t>
-            </a:r>
-          </a:p>
-        </p:txBody>
-      </p:sp>
-      <p:sp>
-        <p:nvSpPr>
           <p:cNvPr id="2" name="Google Shape;97;p1">
             <a:extLst>
               <a:ext uri="{FF2B5EF4-FFF2-40B4-BE49-F238E27FC236}">
@@ -13819,7 +13791,7 @@
             </a:pPr>
             <a:r>
               <a:rPr lang="en-US" sz="3200" dirty="0"/>
-              <a:t>This project introduces a mobile application that utilizes RFID technology to optimize parking management at WKU Parking and Transportation Services (WKU PTS). The "Alien P.R.O.B.E." mobile application aims to automate parking verification processes, enhancing operational efficiency and user experience for WKU Parking and Transportation workers. Utilizing an Alien F800 RFID reader and ALR-8698 RFID antenna, the mobile app's backend system scans parking permits' RFID. tags. Our app will then cross-reference the RFID tags with WKU's servers to check permissions and verify the tags. Our goal for this app is to reduce manual verification time and address unauthorized parking issues that the WKU PTS employees encounter. By automating these processes, the project will streamline operations and improve overall parking experiences for users and Transportation service employees. The primary audience comprises WKU parking management teams, with the Senior Information Technology Consultant at WKU Parking and Transportation Services as the client. This project employs a systematic approach, emphasizing clear documentation, client engagement, and RFID technology application. The development follows distinct phases aligned with a modified waterfall model, ensuring adaptability and continuous improvement. The system offers a scalable, secure, and efficient solution for parking resource management at WKU.</a:t>
+              <a:t>This project introduces a mobile application that utilizes RFID technology to optimize parking management at WKU Parking and Transportation Services (WKU PTS). The "Alien P.R.O.B.E." mobile application aims to automate parking verification processes, enhancing operational efficiency and user experience for WKU Parking and Transportation workers. Utilizing an Alien F800 RFID reader and ALR-8698 RFID antenna, the mobile app's backend system scans parking permits' RFID. tags. Our app will then cross-reference the RFID tags with WKU's servers to check permissions and verify the tags. Our goal for this app is to reduce manual verification time and address unauthorized parking issues that the WKU PTS employees' encounter. By automating these processes, the project will streamline operations and improve overall parking experiences for users and Transportation service employees. The primary audience comprises WKU parking management teams, with the Senior Information Technology Consultant at WKU Parking and Transportation Services as the client. This project employs a systematic approach, emphasizing clear documentation, client engagement, and RFID technology application. The development follows distinct phases aligned with a modified waterfall model, ensuring adaptability and continuous improvement. The system offers a scalable, secure, and efficient solution for parking resource management at WKU.</a:t>
             </a:r>
             <a:endParaRPr sz="3200" dirty="0"/>
           </a:p>
@@ -14235,6 +14207,126 @@
           </a:p>
         </p:txBody>
       </p:sp>
+      <p:pic>
+        <p:nvPicPr>
+          <p:cNvPr id="8" name="Picture 7" descr="A screenshot of a phone&#10;&#10;Description automatically generated">
+            <a:extLst>
+              <a:ext uri="{FF2B5EF4-FFF2-40B4-BE49-F238E27FC236}">
+                <a16:creationId xmlns:a16="http://schemas.microsoft.com/office/drawing/2014/main" id="{70A6027E-A643-43C8-B4FA-1BE18854A4D7}"/>
+              </a:ext>
+            </a:extLst>
+          </p:cNvPr>
+          <p:cNvPicPr>
+            <a:picLocks noChangeAspect="1"/>
+          </p:cNvPicPr>
+          <p:nvPr/>
+        </p:nvPicPr>
+        <p:blipFill>
+          <a:blip r:embed="rId5"/>
+          <a:stretch>
+            <a:fillRect/>
+          </a:stretch>
+        </p:blipFill>
+        <p:spPr>
+          <a:xfrm>
+            <a:off x="29280146" y="4376071"/>
+            <a:ext cx="4127500" cy="8839200"/>
+          </a:xfrm>
+          <a:prstGeom prst="rect">
+            <a:avLst/>
+          </a:prstGeom>
+        </p:spPr>
+      </p:pic>
+      <p:pic>
+        <p:nvPicPr>
+          <p:cNvPr id="20" name="Picture 19" descr="A screenshot of a phone&#10;&#10;Description automatically generated">
+            <a:extLst>
+              <a:ext uri="{FF2B5EF4-FFF2-40B4-BE49-F238E27FC236}">
+                <a16:creationId xmlns:a16="http://schemas.microsoft.com/office/drawing/2014/main" id="{D27E800D-671B-DF08-9102-0E2B0C1CF36C}"/>
+              </a:ext>
+            </a:extLst>
+          </p:cNvPr>
+          <p:cNvPicPr>
+            <a:picLocks noChangeAspect="1"/>
+          </p:cNvPicPr>
+          <p:nvPr/>
+        </p:nvPicPr>
+        <p:blipFill>
+          <a:blip r:embed="rId6"/>
+          <a:stretch>
+            <a:fillRect/>
+          </a:stretch>
+        </p:blipFill>
+        <p:spPr>
+          <a:xfrm>
+            <a:off x="37724713" y="4364594"/>
+            <a:ext cx="4128923" cy="8842248"/>
+          </a:xfrm>
+          <a:prstGeom prst="rect">
+            <a:avLst/>
+          </a:prstGeom>
+        </p:spPr>
+      </p:pic>
+      <p:pic>
+        <p:nvPicPr>
+          <p:cNvPr id="22" name="Picture 21" descr="A screenshot of a phone&#10;&#10;Description automatically generated">
+            <a:extLst>
+              <a:ext uri="{FF2B5EF4-FFF2-40B4-BE49-F238E27FC236}">
+                <a16:creationId xmlns:a16="http://schemas.microsoft.com/office/drawing/2014/main" id="{07329867-C8A4-5594-65BE-18E91A48F817}"/>
+              </a:ext>
+            </a:extLst>
+          </p:cNvPr>
+          <p:cNvPicPr>
+            <a:picLocks noChangeAspect="1"/>
+          </p:cNvPicPr>
+          <p:nvPr/>
+        </p:nvPicPr>
+        <p:blipFill>
+          <a:blip r:embed="rId7"/>
+          <a:stretch>
+            <a:fillRect/>
+          </a:stretch>
+        </p:blipFill>
+        <p:spPr>
+          <a:xfrm>
+            <a:off x="33504398" y="9595713"/>
+            <a:ext cx="4127500" cy="8839200"/>
+          </a:xfrm>
+          <a:prstGeom prst="rect">
+            <a:avLst/>
+          </a:prstGeom>
+        </p:spPr>
+      </p:pic>
+      <p:pic>
+        <p:nvPicPr>
+          <p:cNvPr id="24" name="Picture 23" descr="A white electronic device with a logo&#10;&#10;Description automatically generated">
+            <a:extLst>
+              <a:ext uri="{FF2B5EF4-FFF2-40B4-BE49-F238E27FC236}">
+                <a16:creationId xmlns:a16="http://schemas.microsoft.com/office/drawing/2014/main" id="{71C5EB5C-1D77-F093-4C94-2E85D97F2A3A}"/>
+              </a:ext>
+            </a:extLst>
+          </p:cNvPr>
+          <p:cNvPicPr>
+            <a:picLocks noChangeAspect="1"/>
+          </p:cNvPicPr>
+          <p:nvPr/>
+        </p:nvPicPr>
+        <p:blipFill>
+          <a:blip r:embed="rId8"/>
+          <a:stretch>
+            <a:fillRect/>
+          </a:stretch>
+        </p:blipFill>
+        <p:spPr>
+          <a:xfrm>
+            <a:off x="14343199" y="11355695"/>
+            <a:ext cx="7772400" cy="5319236"/>
+          </a:xfrm>
+          <a:prstGeom prst="rect">
+            <a:avLst/>
+          </a:prstGeom>
+        </p:spPr>
+      </p:pic>
     </p:spTree>
   </p:cSld>
   <p:clrMapOvr>

--- a/Showcase/AlienPROBEShowcasePoster.pptx
+++ b/Showcase/AlienPROBEShowcasePoster.pptx
@@ -257,7 +257,7 @@
       </p15:sldGuideLst>
     </p:ext>
     <p:ext uri="GoogleSlidesCustomDataVersion2">
-      <go:slidesCustomData xmlns="" xmlns:mc="http://schemas.openxmlformats.org/markup-compatibility/2006" xmlns:mv="urn:schemas-microsoft-com:mac:vml" xmlns:c="http://schemas.openxmlformats.org/drawingml/2006/chart" xmlns:dgm="http://schemas.openxmlformats.org/drawingml/2006/diagram" xmlns:o="urn:schemas-microsoft-com:office:office" xmlns:v="urn:schemas-microsoft-com:vml" xmlns:pvml="urn:schemas-microsoft-com:office:powerpoint" xmlns:com="http://schemas.openxmlformats.org/drawingml/2006/compatibility" xmlns:p14="http://schemas.microsoft.com/office/powerpoint/2010/main" xmlns:p15="http://schemas.microsoft.com/office/powerpoint/2012/main" xmlns:ahyp="http://schemas.microsoft.com/office/drawing/2018/hyperlinkcolor" xmlns:go="http://customooxmlschemas.google.com/" r:id="rId7" roundtripDataSignature="AMtx7miFYYJPG2C3RTdzwF0zNza9wmJGGw=="/>
+      <go:slidesCustomData xmlns:go="http://customooxmlschemas.google.com/" xmlns:ahyp="http://schemas.microsoft.com/office/drawing/2018/hyperlinkcolor" xmlns:p15="http://schemas.microsoft.com/office/powerpoint/2012/main" xmlns:p14="http://schemas.microsoft.com/office/powerpoint/2010/main" xmlns:com="http://schemas.openxmlformats.org/drawingml/2006/compatibility" xmlns:pvml="urn:schemas-microsoft-com:office:powerpoint" xmlns:v="urn:schemas-microsoft-com:vml" xmlns:o="urn:schemas-microsoft-com:office:office" xmlns:dgm="http://schemas.openxmlformats.org/drawingml/2006/diagram" xmlns:c="http://schemas.openxmlformats.org/drawingml/2006/chart" xmlns:mv="urn:schemas-microsoft-com:mac:vml" xmlns:mc="http://schemas.openxmlformats.org/markup-compatibility/2006" xmlns="" r:id="rId7" roundtripDataSignature="AMtx7miFYYJPG2C3RTdzwF0zNza9wmJGGw=="/>
     </p:ext>
   </p:extLst>
 </p:presentation>
@@ -13505,8 +13505,8 @@
         </p:blipFill>
         <p:spPr>
           <a:xfrm>
-            <a:off x="14188021" y="3504450"/>
-            <a:ext cx="7864036" cy="7864036"/>
+            <a:off x="11528826" y="2572236"/>
+            <a:ext cx="9880255" cy="9880255"/>
           </a:xfrm>
           <a:prstGeom prst="rect">
             <a:avLst/>
@@ -13527,7 +13527,7 @@
         </p:nvSpPr>
         <p:spPr>
           <a:xfrm>
-            <a:off x="24299970" y="6916121"/>
+            <a:off x="23047864" y="6891310"/>
             <a:ext cx="3029997" cy="1077218"/>
           </a:xfrm>
           <a:prstGeom prst="rect">
@@ -13550,54 +13550,6 @@
             <a:r>
               <a:rPr lang="en-US" sz="3200" dirty="0"/>
               <a:t>Parking Pass</a:t>
-            </a:r>
-          </a:p>
-        </p:txBody>
-      </p:sp>
-      <p:sp>
-        <p:nvSpPr>
-          <p:cNvPr id="6" name="TextBox 5">
-            <a:extLst>
-              <a:ext uri="{FF2B5EF4-FFF2-40B4-BE49-F238E27FC236}">
-                <a16:creationId xmlns:a16="http://schemas.microsoft.com/office/drawing/2014/main" id="{AA6F26E1-C10C-2A90-1C85-BA50C91A65DA}"/>
-              </a:ext>
-            </a:extLst>
-          </p:cNvPr>
-          <p:cNvSpPr txBox="1"/>
-          <p:nvPr/>
-        </p:nvSpPr>
-        <p:spPr>
-          <a:xfrm>
-            <a:off x="24299970" y="14760371"/>
-            <a:ext cx="3555782" cy="1569660"/>
-          </a:xfrm>
-          <a:prstGeom prst="rect">
-            <a:avLst/>
-          </a:prstGeom>
-          <a:noFill/>
-        </p:spPr>
-        <p:txBody>
-          <a:bodyPr wrap="none" rtlCol="0">
-            <a:spAutoFit/>
-          </a:bodyPr>
-          <a:lstStyle/>
-          <a:p>
-            <a:r>
-              <a:rPr lang="en-US" sz="3200" dirty="0"/>
-              <a:t>Insert Image of </a:t>
-            </a:r>
-          </a:p>
-          <a:p>
-            <a:r>
-              <a:rPr lang="en-US" sz="3200" dirty="0"/>
-              <a:t>RFID Tag on Back</a:t>
-            </a:r>
-            <a:br>
-              <a:rPr lang="en-US" sz="3200" dirty="0"/>
-            </a:br>
-            <a:r>
-              <a:rPr lang="en-US" sz="3200" dirty="0"/>
-              <a:t>of Parking Pass</a:t>
             </a:r>
           </a:p>
         </p:txBody>
@@ -14209,7 +14161,7 @@
       </p:sp>
       <p:pic>
         <p:nvPicPr>
-          <p:cNvPr id="8" name="Picture 7" descr="A screenshot of a phone&#10;&#10;Description automatically generated">
+          <p:cNvPr id="8" name="Picture 7">
             <a:extLst>
               <a:ext uri="{FF2B5EF4-FFF2-40B4-BE49-F238E27FC236}">
                 <a16:creationId xmlns:a16="http://schemas.microsoft.com/office/drawing/2014/main" id="{70A6027E-A643-43C8-B4FA-1BE18854A4D7}"/>
@@ -14223,14 +14175,13 @@
         </p:nvPicPr>
         <p:blipFill>
           <a:blip r:embed="rId5"/>
-          <a:stretch>
-            <a:fillRect/>
-          </a:stretch>
+          <a:srcRect/>
+          <a:stretch/>
         </p:blipFill>
         <p:spPr>
           <a:xfrm>
-            <a:off x="29280146" y="4376071"/>
-            <a:ext cx="4127500" cy="8839200"/>
+            <a:off x="29280146" y="4376072"/>
+            <a:ext cx="4127500" cy="8839198"/>
           </a:xfrm>
           <a:prstGeom prst="rect">
             <a:avLst/>
@@ -14239,7 +14190,7 @@
       </p:pic>
       <p:pic>
         <p:nvPicPr>
-          <p:cNvPr id="20" name="Picture 19" descr="A screenshot of a phone&#10;&#10;Description automatically generated">
+          <p:cNvPr id="20" name="Picture 19">
             <a:extLst>
               <a:ext uri="{FF2B5EF4-FFF2-40B4-BE49-F238E27FC236}">
                 <a16:creationId xmlns:a16="http://schemas.microsoft.com/office/drawing/2014/main" id="{D27E800D-671B-DF08-9102-0E2B0C1CF36C}"/>
@@ -14253,14 +14204,13 @@
         </p:nvPicPr>
         <p:blipFill>
           <a:blip r:embed="rId6"/>
-          <a:stretch>
-            <a:fillRect/>
-          </a:stretch>
+          <a:srcRect/>
+          <a:stretch/>
         </p:blipFill>
         <p:spPr>
           <a:xfrm>
-            <a:off x="37724713" y="4364594"/>
-            <a:ext cx="4128923" cy="8842248"/>
+            <a:off x="37726195" y="4364594"/>
+            <a:ext cx="4125959" cy="8842248"/>
           </a:xfrm>
           <a:prstGeom prst="rect">
             <a:avLst/>
@@ -14269,7 +14219,7 @@
       </p:pic>
       <p:pic>
         <p:nvPicPr>
-          <p:cNvPr id="22" name="Picture 21" descr="A screenshot of a phone&#10;&#10;Description automatically generated">
+          <p:cNvPr id="22" name="Picture 21">
             <a:extLst>
               <a:ext uri="{FF2B5EF4-FFF2-40B4-BE49-F238E27FC236}">
                 <a16:creationId xmlns:a16="http://schemas.microsoft.com/office/drawing/2014/main" id="{07329867-C8A4-5594-65BE-18E91A48F817}"/>
@@ -14283,14 +14233,13 @@
         </p:nvPicPr>
         <p:blipFill>
           <a:blip r:embed="rId7"/>
-          <a:stretch>
-            <a:fillRect/>
-          </a:stretch>
+          <a:srcRect/>
+          <a:stretch/>
         </p:blipFill>
         <p:spPr>
           <a:xfrm>
-            <a:off x="33504398" y="9595713"/>
-            <a:ext cx="4127500" cy="8839200"/>
+            <a:off x="33504398" y="9595714"/>
+            <a:ext cx="4127500" cy="8839198"/>
           </a:xfrm>
           <a:prstGeom prst="rect">
             <a:avLst/>
@@ -14319,8 +14268,37 @@
         </p:blipFill>
         <p:spPr>
           <a:xfrm>
-            <a:off x="14343199" y="11355695"/>
+            <a:off x="12958364" y="11180094"/>
             <a:ext cx="7772400" cy="5319236"/>
+          </a:xfrm>
+          <a:prstGeom prst="rect">
+            <a:avLst/>
+          </a:prstGeom>
+        </p:spPr>
+      </p:pic>
+      <p:pic>
+        <p:nvPicPr>
+          <p:cNvPr id="7" name="Picture 6" descr="A white rectangular object with a bar code on it&#10;&#10;Description automatically generated">
+            <a:extLst>
+              <a:ext uri="{FF2B5EF4-FFF2-40B4-BE49-F238E27FC236}">
+                <a16:creationId xmlns:a16="http://schemas.microsoft.com/office/drawing/2014/main" id="{BC0B9D01-4441-C3D1-183C-D9FF9F53E8E7}"/>
+              </a:ext>
+            </a:extLst>
+          </p:cNvPr>
+          <p:cNvPicPr>
+            <a:picLocks noChangeAspect="1"/>
+          </p:cNvPicPr>
+          <p:nvPr/>
+        </p:nvPicPr>
+        <p:blipFill rotWithShape="1">
+          <a:blip r:embed="rId9"/>
+          <a:srcRect l="21184" t="29480" r="25914" b="21581"/>
+          <a:stretch/>
+        </p:blipFill>
+        <p:spPr>
+          <a:xfrm>
+            <a:off x="21409081" y="11273741"/>
+            <a:ext cx="5918747" cy="4106479"/>
           </a:xfrm>
           <a:prstGeom prst="rect">
             <a:avLst/>

--- a/Showcase/AlienPROBEShowcasePoster.pptx
+++ b/Showcase/AlienPROBEShowcasePoster.pptx
@@ -257,7 +257,7 @@
       </p15:sldGuideLst>
     </p:ext>
     <p:ext uri="GoogleSlidesCustomDataVersion2">
-      <go:slidesCustomData xmlns:go="http://customooxmlschemas.google.com/" xmlns:ahyp="http://schemas.microsoft.com/office/drawing/2018/hyperlinkcolor" xmlns:p15="http://schemas.microsoft.com/office/powerpoint/2012/main" xmlns:p14="http://schemas.microsoft.com/office/powerpoint/2010/main" xmlns:com="http://schemas.openxmlformats.org/drawingml/2006/compatibility" xmlns:pvml="urn:schemas-microsoft-com:office:powerpoint" xmlns:v="urn:schemas-microsoft-com:vml" xmlns:o="urn:schemas-microsoft-com:office:office" xmlns:dgm="http://schemas.openxmlformats.org/drawingml/2006/diagram" xmlns:c="http://schemas.openxmlformats.org/drawingml/2006/chart" xmlns:mv="urn:schemas-microsoft-com:mac:vml" xmlns:mc="http://schemas.openxmlformats.org/markup-compatibility/2006" xmlns="" r:id="rId7" roundtripDataSignature="AMtx7miFYYJPG2C3RTdzwF0zNza9wmJGGw=="/>
+      <go:slidesCustomData xmlns="" xmlns:mc="http://schemas.openxmlformats.org/markup-compatibility/2006" xmlns:mv="urn:schemas-microsoft-com:mac:vml" xmlns:c="http://schemas.openxmlformats.org/drawingml/2006/chart" xmlns:dgm="http://schemas.openxmlformats.org/drawingml/2006/diagram" xmlns:o="urn:schemas-microsoft-com:office:office" xmlns:v="urn:schemas-microsoft-com:vml" xmlns:pvml="urn:schemas-microsoft-com:office:powerpoint" xmlns:com="http://schemas.openxmlformats.org/drawingml/2006/compatibility" xmlns:p14="http://schemas.microsoft.com/office/powerpoint/2010/main" xmlns:p15="http://schemas.microsoft.com/office/powerpoint/2012/main" xmlns:ahyp="http://schemas.microsoft.com/office/drawing/2018/hyperlinkcolor" xmlns:go="http://customooxmlschemas.google.com/" r:id="rId7" roundtripDataSignature="AMtx7miFYYJPG2C3RTdzwF0zNza9wmJGGw=="/>
     </p:ext>
   </p:extLst>
 </p:presentation>
@@ -12635,15 +12635,17 @@
         </p:nvSpPr>
         <p:spPr>
           <a:xfrm>
-            <a:off x="-167942" y="102135"/>
-            <a:ext cx="43891200" cy="898071"/>
+            <a:off x="11834210" y="345888"/>
+            <a:ext cx="20222780" cy="1637245"/>
           </a:xfrm>
           <a:prstGeom prst="rect">
             <a:avLst/>
           </a:prstGeom>
           <a:noFill/>
-          <a:ln>
-            <a:noFill/>
+          <a:ln w="63500" cap="rnd">
+            <a:solidFill>
+              <a:schemeClr val="tx1"/>
+            </a:solidFill>
           </a:ln>
         </p:spPr>
         <p:txBody>
@@ -12662,14 +12664,14 @@
               <a:buNone/>
             </a:pPr>
             <a:r>
-              <a:rPr lang="en-US" sz="6000" b="1" dirty="0">
+              <a:rPr lang="en-US" sz="8000" b="1" dirty="0">
                 <a:solidFill>
                   <a:srgbClr val="C0504D"/>
                 </a:solidFill>
               </a:rPr>
               <a:t>Alien P.R.O.B.E RFID Reader/Scanner App</a:t>
             </a:r>
-            <a:endParaRPr sz="6000" b="1" dirty="0">
+            <a:endParaRPr sz="8000" b="1" dirty="0">
               <a:solidFill>
                 <a:srgbClr val="C0504D"/>
               </a:solidFill>
@@ -12897,8 +12899,8 @@
         </p:nvSpPr>
         <p:spPr>
           <a:xfrm>
-            <a:off x="332932" y="1347113"/>
-            <a:ext cx="42889452" cy="1796143"/>
+            <a:off x="11666268" y="2299757"/>
+            <a:ext cx="20222780" cy="1796143"/>
           </a:xfrm>
           <a:prstGeom prst="rect">
             <a:avLst/>
@@ -12981,7 +12983,7 @@
         </p:nvSpPr>
         <p:spPr>
           <a:xfrm>
-            <a:off x="1435953" y="19958572"/>
+            <a:off x="914400" y="19958572"/>
             <a:ext cx="10806414" cy="11572358"/>
           </a:xfrm>
           <a:prstGeom prst="rect">
@@ -12989,9 +12991,7 @@
           </a:prstGeom>
           <a:noFill/>
           <a:ln w="9525" cap="flat" cmpd="sng">
-            <a:solidFill>
-              <a:srgbClr val="395E89"/>
-            </a:solidFill>
+            <a:noFill/>
             <a:prstDash val="solid"/>
             <a:round/>
             <a:headEnd type="none" w="sm" len="sm"/>
@@ -13299,7 +13299,7 @@
         </p:nvSpPr>
         <p:spPr>
           <a:xfrm>
-            <a:off x="13327668" y="19963893"/>
+            <a:off x="14751454" y="20050485"/>
             <a:ext cx="14388293" cy="11418470"/>
           </a:xfrm>
           <a:prstGeom prst="rect">
@@ -13307,9 +13307,7 @@
           </a:prstGeom>
           <a:noFill/>
           <a:ln w="9525" cap="flat" cmpd="sng">
-            <a:solidFill>
-              <a:srgbClr val="395E89"/>
-            </a:solidFill>
+            <a:noFill/>
             <a:prstDash val="solid"/>
             <a:round/>
             <a:headEnd type="none" w="sm" len="sm"/>
@@ -13505,7 +13503,7 @@
         </p:blipFill>
         <p:spPr>
           <a:xfrm>
-            <a:off x="11528826" y="2572236"/>
+            <a:off x="12973200" y="2674723"/>
             <a:ext cx="9880255" cy="9880255"/>
           </a:xfrm>
           <a:prstGeom prst="rect">
@@ -13527,7 +13525,7 @@
         </p:nvSpPr>
         <p:spPr>
           <a:xfrm>
-            <a:off x="23047864" y="6891310"/>
+            <a:off x="24464719" y="6170675"/>
             <a:ext cx="3029997" cy="1077218"/>
           </a:xfrm>
           <a:prstGeom prst="rect">
@@ -13568,17 +13566,15 @@
         </p:nvSpPr>
         <p:spPr>
           <a:xfrm>
-            <a:off x="28801262" y="19958572"/>
-            <a:ext cx="13533773" cy="11418470"/>
+            <a:off x="32205168" y="20084762"/>
+            <a:ext cx="10771632" cy="10926028"/>
           </a:xfrm>
           <a:prstGeom prst="rect">
             <a:avLst/>
           </a:prstGeom>
           <a:noFill/>
           <a:ln w="9525" cap="flat" cmpd="sng">
-            <a:solidFill>
-              <a:srgbClr val="395E89"/>
-            </a:solidFill>
+            <a:noFill/>
             <a:prstDash val="solid"/>
             <a:round/>
             <a:headEnd type="none" w="sm" len="sm"/>
@@ -13611,7 +13607,7 @@
                   <a:schemeClr val="dk1"/>
                 </a:solidFill>
               </a:rPr>
-              <a:t>The Alien P.R.O.B.E. app has multiple menu screens as pictured above, these allow the user to navigate to the section of the app with the functionality they need at that moment.</a:t>
+              <a:t>The Alien P.R.O.B.E. app has multiple screens as pictured above, </a:t>
             </a:r>
           </a:p>
           <a:p>
@@ -13660,30 +13656,6 @@
                 </a:solidFill>
               </a:rPr>
               <a:t>The Scan button leads to the main function of the app, when the On/Off switch is toggled On and the scan button is pressed the RFID Reader will begin sending tags to the app through the connection type specified in the Setup section. This checks for duplicate tags automatically to avoid clutter, and pressing the Clear button removes all tags from the view. All unique tags scanned within a session are stored in the Saved Tags section, which can be viewed at any time by pressing the View Saved Tags button on the Scan menu.</a:t>
-            </a:r>
-          </a:p>
-          <a:p>
-            <a:pPr marL="457200" marR="0" lvl="0" indent="-457200" algn="l" rtl="0">
-              <a:spcBef>
-                <a:spcPts val="0"/>
-              </a:spcBef>
-              <a:spcAft>
-                <a:spcPts val="0"/>
-              </a:spcAft>
-              <a:buClr>
-                <a:schemeClr val="dk1"/>
-              </a:buClr>
-              <a:buSzPts val="2800"/>
-              <a:buFont typeface="Arial" panose="020B0604020202020204" pitchFamily="34" charset="0"/>
-              <a:buChar char="•"/>
-            </a:pPr>
-            <a:r>
-              <a:rPr lang="en-US" sz="3200" dirty="0">
-                <a:solidFill>
-                  <a:schemeClr val="dk1"/>
-                </a:solidFill>
-              </a:rPr>
-              <a:t>The About page gives user a brief description and tutorial of how to operate the app, including setting up the connection to the reader, and how to properly scan tags. It also includes the credits for the app, listing all developers and designers for the app.</a:t>
             </a:r>
           </a:p>
         </p:txBody>
@@ -13704,7 +13676,7 @@
         </p:nvSpPr>
         <p:spPr>
           <a:xfrm>
-            <a:off x="1473633" y="4527505"/>
+            <a:off x="914400" y="4527505"/>
             <a:ext cx="10806414" cy="13880683"/>
           </a:xfrm>
           <a:prstGeom prst="rect">
@@ -13712,9 +13684,7 @@
           </a:prstGeom>
           <a:noFill/>
           <a:ln w="9525" cap="flat" cmpd="sng">
-            <a:solidFill>
-              <a:srgbClr val="395E89"/>
-            </a:solidFill>
+            <a:noFill/>
             <a:prstDash val="solid"/>
             <a:round/>
             <a:headEnd type="none" w="sm" len="sm"/>
@@ -13763,7 +13733,135 @@
         </p:nvSpPr>
         <p:spPr>
           <a:xfrm>
-            <a:off x="1473633" y="3000217"/>
+            <a:off x="914400" y="3000217"/>
+            <a:ext cx="10771632" cy="1066084"/>
+          </a:xfrm>
+          <a:prstGeom prst="flowChartAlternateProcess">
+            <a:avLst/>
+          </a:prstGeom>
+          <a:solidFill>
+            <a:srgbClr val="C0504D"/>
+          </a:solidFill>
+        </p:spPr>
+        <p:style>
+          <a:lnRef idx="2">
+            <a:schemeClr val="accent1">
+              <a:shade val="15000"/>
+            </a:schemeClr>
+          </a:lnRef>
+          <a:fillRef idx="1">
+            <a:schemeClr val="accent1"/>
+          </a:fillRef>
+          <a:effectRef idx="0">
+            <a:schemeClr val="accent1"/>
+          </a:effectRef>
+          <a:fontRef idx="minor">
+            <a:schemeClr val="lt1"/>
+          </a:fontRef>
+        </p:style>
+        <p:txBody>
+          <a:bodyPr rtlCol="0" anchor="ctr"/>
+          <a:lstStyle/>
+          <a:p>
+            <a:pPr algn="ctr"/>
+            <a:r>
+              <a:rPr lang="en-US" sz="4400" b="1" dirty="0">
+                <a:solidFill>
+                  <a:schemeClr val="bg1"/>
+                </a:solidFill>
+                <a:latin typeface="Arial"/>
+                <a:ea typeface="Arial"/>
+                <a:cs typeface="Arial"/>
+                <a:sym typeface="Arial"/>
+              </a:rPr>
+              <a:t>Abstract</a:t>
+            </a:r>
+          </a:p>
+          <a:p>
+            <a:pPr algn="ctr"/>
+            <a:endParaRPr lang="en-US" dirty="0"/>
+          </a:p>
+        </p:txBody>
+      </p:sp>
+      <p:sp>
+        <p:nvSpPr>
+          <p:cNvPr id="13" name="Alternate Process 12">
+            <a:extLst>
+              <a:ext uri="{FF2B5EF4-FFF2-40B4-BE49-F238E27FC236}">
+                <a16:creationId xmlns:a16="http://schemas.microsoft.com/office/drawing/2014/main" id="{EFCE506D-608A-1B34-9FF1-5601DF23C456}"/>
+              </a:ext>
+            </a:extLst>
+          </p:cNvPr>
+          <p:cNvSpPr/>
+          <p:nvPr/>
+        </p:nvSpPr>
+        <p:spPr>
+          <a:xfrm>
+            <a:off x="32205168" y="3053485"/>
+            <a:ext cx="10771632" cy="1042415"/>
+          </a:xfrm>
+          <a:prstGeom prst="flowChartAlternateProcess">
+            <a:avLst/>
+          </a:prstGeom>
+          <a:solidFill>
+            <a:srgbClr val="C0504D"/>
+          </a:solidFill>
+        </p:spPr>
+        <p:style>
+          <a:lnRef idx="2">
+            <a:schemeClr val="accent1">
+              <a:shade val="15000"/>
+            </a:schemeClr>
+          </a:lnRef>
+          <a:fillRef idx="1">
+            <a:schemeClr val="accent1"/>
+          </a:fillRef>
+          <a:effectRef idx="0">
+            <a:schemeClr val="accent1"/>
+          </a:effectRef>
+          <a:fontRef idx="minor">
+            <a:schemeClr val="lt1"/>
+          </a:fontRef>
+        </p:style>
+        <p:txBody>
+          <a:bodyPr rtlCol="0" anchor="ctr"/>
+          <a:lstStyle/>
+          <a:p>
+            <a:pPr algn="ctr"/>
+            <a:r>
+              <a:rPr lang="en-US" sz="4400" b="1" dirty="0">
+                <a:solidFill>
+                  <a:schemeClr val="bg1"/>
+                </a:solidFill>
+                <a:latin typeface="Arial"/>
+                <a:ea typeface="Arial"/>
+                <a:cs typeface="Arial"/>
+                <a:sym typeface="Arial"/>
+              </a:rPr>
+              <a:t>App</a:t>
+            </a:r>
+          </a:p>
+          <a:p>
+            <a:pPr algn="ctr"/>
+            <a:endParaRPr lang="en-US" dirty="0"/>
+          </a:p>
+        </p:txBody>
+      </p:sp>
+      <p:sp>
+        <p:nvSpPr>
+          <p:cNvPr id="14" name="Alternate Process 13">
+            <a:extLst>
+              <a:ext uri="{FF2B5EF4-FFF2-40B4-BE49-F238E27FC236}">
+                <a16:creationId xmlns:a16="http://schemas.microsoft.com/office/drawing/2014/main" id="{B6153CF8-E88D-9FC9-A9CC-EF7F093926FA}"/>
+              </a:ext>
+            </a:extLst>
+          </p:cNvPr>
+          <p:cNvSpPr/>
+          <p:nvPr/>
+        </p:nvSpPr>
+        <p:spPr>
+          <a:xfrm>
+            <a:off x="914400" y="18714849"/>
             <a:ext cx="10768734" cy="1066084"/>
           </a:xfrm>
           <a:prstGeom prst="flowChartAlternateProcess">
@@ -13804,198 +13902,6 @@
                 <a:cs typeface="Arial"/>
                 <a:sym typeface="Arial"/>
               </a:rPr>
-              <a:t>Abstract</a:t>
-            </a:r>
-          </a:p>
-          <a:p>
-            <a:pPr algn="ctr"/>
-            <a:endParaRPr lang="en-US" dirty="0"/>
-          </a:p>
-        </p:txBody>
-      </p:sp>
-      <p:sp>
-        <p:nvSpPr>
-          <p:cNvPr id="12" name="Alternate Process 11">
-            <a:extLst>
-              <a:ext uri="{FF2B5EF4-FFF2-40B4-BE49-F238E27FC236}">
-                <a16:creationId xmlns:a16="http://schemas.microsoft.com/office/drawing/2014/main" id="{4653C863-BA73-3814-E0AB-A49C2A0A514B}"/>
-              </a:ext>
-            </a:extLst>
-          </p:cNvPr>
-          <p:cNvSpPr/>
-          <p:nvPr/>
-        </p:nvSpPr>
-        <p:spPr>
-          <a:xfrm>
-            <a:off x="15118607" y="2897497"/>
-            <a:ext cx="10768734" cy="1066084"/>
-          </a:xfrm>
-          <a:prstGeom prst="flowChartAlternateProcess">
-            <a:avLst/>
-          </a:prstGeom>
-          <a:solidFill>
-            <a:srgbClr val="C0504D"/>
-          </a:solidFill>
-        </p:spPr>
-        <p:style>
-          <a:lnRef idx="2">
-            <a:schemeClr val="accent1">
-              <a:shade val="15000"/>
-            </a:schemeClr>
-          </a:lnRef>
-          <a:fillRef idx="1">
-            <a:schemeClr val="accent1"/>
-          </a:fillRef>
-          <a:effectRef idx="0">
-            <a:schemeClr val="accent1"/>
-          </a:effectRef>
-          <a:fontRef idx="minor">
-            <a:schemeClr val="lt1"/>
-          </a:fontRef>
-        </p:style>
-        <p:txBody>
-          <a:bodyPr rtlCol="0" anchor="ctr"/>
-          <a:lstStyle/>
-          <a:p>
-            <a:pPr algn="ctr"/>
-            <a:r>
-              <a:rPr lang="en-US" sz="4400" b="1" dirty="0">
-                <a:solidFill>
-                  <a:schemeClr val="bg1"/>
-                </a:solidFill>
-                <a:latin typeface="Arial"/>
-                <a:ea typeface="Arial"/>
-                <a:cs typeface="Arial"/>
-                <a:sym typeface="Arial"/>
-              </a:rPr>
-              <a:t>Equipment</a:t>
-            </a:r>
-          </a:p>
-          <a:p>
-            <a:pPr algn="ctr"/>
-            <a:endParaRPr lang="en-US" dirty="0"/>
-          </a:p>
-        </p:txBody>
-      </p:sp>
-      <p:sp>
-        <p:nvSpPr>
-          <p:cNvPr id="13" name="Alternate Process 12">
-            <a:extLst>
-              <a:ext uri="{FF2B5EF4-FFF2-40B4-BE49-F238E27FC236}">
-                <a16:creationId xmlns:a16="http://schemas.microsoft.com/office/drawing/2014/main" id="{EFCE506D-608A-1B34-9FF1-5601DF23C456}"/>
-              </a:ext>
-            </a:extLst>
-          </p:cNvPr>
-          <p:cNvSpPr/>
-          <p:nvPr/>
-        </p:nvSpPr>
-        <p:spPr>
-          <a:xfrm>
-            <a:off x="30183782" y="2897497"/>
-            <a:ext cx="10768734" cy="1066084"/>
-          </a:xfrm>
-          <a:prstGeom prst="flowChartAlternateProcess">
-            <a:avLst/>
-          </a:prstGeom>
-          <a:solidFill>
-            <a:srgbClr val="C0504D"/>
-          </a:solidFill>
-        </p:spPr>
-        <p:style>
-          <a:lnRef idx="2">
-            <a:schemeClr val="accent1">
-              <a:shade val="15000"/>
-            </a:schemeClr>
-          </a:lnRef>
-          <a:fillRef idx="1">
-            <a:schemeClr val="accent1"/>
-          </a:fillRef>
-          <a:effectRef idx="0">
-            <a:schemeClr val="accent1"/>
-          </a:effectRef>
-          <a:fontRef idx="minor">
-            <a:schemeClr val="lt1"/>
-          </a:fontRef>
-        </p:style>
-        <p:txBody>
-          <a:bodyPr rtlCol="0" anchor="ctr"/>
-          <a:lstStyle/>
-          <a:p>
-            <a:pPr algn="ctr"/>
-            <a:r>
-              <a:rPr lang="en-US" sz="4400" b="1" dirty="0">
-                <a:solidFill>
-                  <a:schemeClr val="bg1"/>
-                </a:solidFill>
-                <a:latin typeface="Arial"/>
-                <a:ea typeface="Arial"/>
-                <a:cs typeface="Arial"/>
-                <a:sym typeface="Arial"/>
-              </a:rPr>
-              <a:t>App</a:t>
-            </a:r>
-          </a:p>
-          <a:p>
-            <a:pPr algn="ctr"/>
-            <a:endParaRPr lang="en-US" dirty="0"/>
-          </a:p>
-        </p:txBody>
-      </p:sp>
-      <p:sp>
-        <p:nvSpPr>
-          <p:cNvPr id="14" name="Alternate Process 13">
-            <a:extLst>
-              <a:ext uri="{FF2B5EF4-FFF2-40B4-BE49-F238E27FC236}">
-                <a16:creationId xmlns:a16="http://schemas.microsoft.com/office/drawing/2014/main" id="{B6153CF8-E88D-9FC9-A9CC-EF7F093926FA}"/>
-              </a:ext>
-            </a:extLst>
-          </p:cNvPr>
-          <p:cNvSpPr/>
-          <p:nvPr/>
-        </p:nvSpPr>
-        <p:spPr>
-          <a:xfrm>
-            <a:off x="1435953" y="18714849"/>
-            <a:ext cx="10768734" cy="1066084"/>
-          </a:xfrm>
-          <a:prstGeom prst="flowChartAlternateProcess">
-            <a:avLst/>
-          </a:prstGeom>
-          <a:solidFill>
-            <a:srgbClr val="C0504D"/>
-          </a:solidFill>
-        </p:spPr>
-        <p:style>
-          <a:lnRef idx="2">
-            <a:schemeClr val="accent1">
-              <a:shade val="15000"/>
-            </a:schemeClr>
-          </a:lnRef>
-          <a:fillRef idx="1">
-            <a:schemeClr val="accent1"/>
-          </a:fillRef>
-          <a:effectRef idx="0">
-            <a:schemeClr val="accent1"/>
-          </a:effectRef>
-          <a:fontRef idx="minor">
-            <a:schemeClr val="lt1"/>
-          </a:fontRef>
-        </p:style>
-        <p:txBody>
-          <a:bodyPr rtlCol="0" anchor="ctr"/>
-          <a:lstStyle/>
-          <a:p>
-            <a:pPr algn="ctr"/>
-            <a:r>
-              <a:rPr lang="en-US" sz="4400" b="1" dirty="0">
-                <a:solidFill>
-                  <a:schemeClr val="bg1"/>
-                </a:solidFill>
-                <a:latin typeface="Arial"/>
-                <a:ea typeface="Arial"/>
-                <a:cs typeface="Arial"/>
-                <a:sym typeface="Arial"/>
-              </a:rPr>
               <a:t>What is this Project?</a:t>
             </a:r>
           </a:p>
@@ -14019,8 +13925,8 @@
         </p:nvSpPr>
         <p:spPr>
           <a:xfrm>
-            <a:off x="15118607" y="18689795"/>
-            <a:ext cx="10768734" cy="1066084"/>
+            <a:off x="14751454" y="18690404"/>
+            <a:ext cx="14388293" cy="1042415"/>
           </a:xfrm>
           <a:prstGeom prst="flowChartAlternateProcess">
             <a:avLst/>
@@ -14096,8 +14002,8 @@
         </p:nvSpPr>
         <p:spPr>
           <a:xfrm>
-            <a:off x="30183781" y="18689795"/>
-            <a:ext cx="10768734" cy="1066084"/>
+            <a:off x="32205168" y="18714849"/>
+            <a:ext cx="10771632" cy="1042415"/>
           </a:xfrm>
           <a:prstGeom prst="flowChartAlternateProcess">
             <a:avLst/>
@@ -14180,8 +14086,8 @@
         </p:blipFill>
         <p:spPr>
           <a:xfrm>
-            <a:off x="29280146" y="4376072"/>
-            <a:ext cx="4127500" cy="8839198"/>
+            <a:off x="31363874" y="4527505"/>
+            <a:ext cx="3878583" cy="8306133"/>
           </a:xfrm>
           <a:prstGeom prst="rect">
             <a:avLst/>
@@ -14209,8 +14115,8 @@
         </p:blipFill>
         <p:spPr>
           <a:xfrm>
-            <a:off x="37726195" y="4364594"/>
-            <a:ext cx="4125959" cy="8842248"/>
+            <a:off x="39765242" y="4527505"/>
+            <a:ext cx="3875798" cy="8306133"/>
           </a:xfrm>
           <a:prstGeom prst="rect">
             <a:avLst/>
@@ -14238,8 +14144,8 @@
         </p:blipFill>
         <p:spPr>
           <a:xfrm>
-            <a:off x="33504398" y="9595714"/>
-            <a:ext cx="4127500" cy="8839198"/>
+            <a:off x="35527234" y="8959420"/>
+            <a:ext cx="3878583" cy="8306133"/>
           </a:xfrm>
           <a:prstGeom prst="rect">
             <a:avLst/>
@@ -14268,7 +14174,7 @@
         </p:blipFill>
         <p:spPr>
           <a:xfrm>
-            <a:off x="12958364" y="11180094"/>
+            <a:off x="14005258" y="11273741"/>
             <a:ext cx="7772400" cy="5319236"/>
           </a:xfrm>
           <a:prstGeom prst="rect">
@@ -14297,7 +14203,7 @@
         </p:blipFill>
         <p:spPr>
           <a:xfrm>
-            <a:off x="21409081" y="11273741"/>
+            <a:off x="22632390" y="11881195"/>
             <a:ext cx="5918747" cy="4106479"/>
           </a:xfrm>
           <a:prstGeom prst="rect">
@@ -14305,6 +14211,70 @@
           </a:prstGeom>
         </p:spPr>
       </p:pic>
+      <p:sp>
+        <p:nvSpPr>
+          <p:cNvPr id="19" name="Alternate Process 18">
+            <a:extLst>
+              <a:ext uri="{FF2B5EF4-FFF2-40B4-BE49-F238E27FC236}">
+                <a16:creationId xmlns:a16="http://schemas.microsoft.com/office/drawing/2014/main" id="{8FD517BF-0BB9-D361-7FCE-8BF98DD99591}"/>
+              </a:ext>
+            </a:extLst>
+          </p:cNvPr>
+          <p:cNvSpPr/>
+          <p:nvPr/>
+        </p:nvSpPr>
+        <p:spPr>
+          <a:xfrm>
+            <a:off x="952080" y="25974029"/>
+            <a:ext cx="10768734" cy="1066084"/>
+          </a:xfrm>
+          <a:prstGeom prst="flowChartAlternateProcess">
+            <a:avLst/>
+          </a:prstGeom>
+          <a:solidFill>
+            <a:srgbClr val="C0504D"/>
+          </a:solidFill>
+        </p:spPr>
+        <p:style>
+          <a:lnRef idx="2">
+            <a:schemeClr val="accent1">
+              <a:shade val="15000"/>
+            </a:schemeClr>
+          </a:lnRef>
+          <a:fillRef idx="1">
+            <a:schemeClr val="accent1"/>
+          </a:fillRef>
+          <a:effectRef idx="0">
+            <a:schemeClr val="accent1"/>
+          </a:effectRef>
+          <a:fontRef idx="minor">
+            <a:schemeClr val="lt1"/>
+          </a:fontRef>
+        </p:style>
+        <p:txBody>
+          <a:bodyPr rtlCol="0" anchor="ctr"/>
+          <a:lstStyle/>
+          <a:p>
+            <a:pPr algn="ctr"/>
+            <a:r>
+              <a:rPr lang="en-US" sz="4400" b="1" dirty="0">
+                <a:solidFill>
+                  <a:schemeClr val="bg1"/>
+                </a:solidFill>
+                <a:latin typeface="Arial"/>
+                <a:ea typeface="Arial"/>
+                <a:cs typeface="Arial"/>
+                <a:sym typeface="Arial"/>
+              </a:rPr>
+              <a:t>Requirements</a:t>
+            </a:r>
+          </a:p>
+          <a:p>
+            <a:pPr algn="ctr"/>
+            <a:endParaRPr lang="en-US" dirty="0"/>
+          </a:p>
+        </p:txBody>
+      </p:sp>
     </p:spTree>
   </p:cSld>
   <p:clrMapOvr>
